--- a/The CIA Hive component.pptx
+++ b/The CIA Hive component.pptx
@@ -10,14 +10,17 @@
     <p:sldId id="258" r:id="rId4"/>
     <p:sldId id="259" r:id="rId5"/>
     <p:sldId id="260" r:id="rId6"/>
-    <p:sldId id="261" r:id="rId7"/>
-    <p:sldId id="263" r:id="rId8"/>
-    <p:sldId id="262" r:id="rId9"/>
-    <p:sldId id="268" r:id="rId10"/>
-    <p:sldId id="264" r:id="rId11"/>
-    <p:sldId id="265" r:id="rId12"/>
-    <p:sldId id="266" r:id="rId13"/>
-    <p:sldId id="267" r:id="rId14"/>
+    <p:sldId id="268" r:id="rId7"/>
+    <p:sldId id="261" r:id="rId8"/>
+    <p:sldId id="263" r:id="rId9"/>
+    <p:sldId id="262" r:id="rId10"/>
+    <p:sldId id="269" r:id="rId11"/>
+    <p:sldId id="270" r:id="rId12"/>
+    <p:sldId id="271" r:id="rId13"/>
+    <p:sldId id="272" r:id="rId14"/>
+    <p:sldId id="273" r:id="rId15"/>
+    <p:sldId id="274" r:id="rId16"/>
+    <p:sldId id="267" r:id="rId17"/>
   </p:sldIdLst>
   <p:sldSz cx="12192000" cy="6858000"/>
   <p:notesSz cx="6858000" cy="9144000"/>
@@ -181,7 +184,7 @@
           <a:noFill/>
           <a:extLst>
             <a:ext uri="{909E8E84-426E-40dd-AFC4-6F175D3DCCD1}">
-              <a14:hiddenFill xmlns="" xmlns:a14="http://schemas.microsoft.com/office/drawing/2010/main">
+              <a14:hiddenFill xmlns:a14="http://schemas.microsoft.com/office/drawing/2010/main" xmlns="">
                 <a:solidFill>
                   <a:srgbClr val="FFFFFF"/>
                 </a:solidFill>
@@ -240,7 +243,7 @@
             </a:ln>
             <a:extLst>
               <a:ext uri="{91240B29-F687-4f45-9708-019B960494DF}">
-                <a14:hiddenLine xmlns="" xmlns:a14="http://schemas.microsoft.com/office/drawing/2010/main" w="9525">
+                <a14:hiddenLine xmlns:a14="http://schemas.microsoft.com/office/drawing/2010/main" xmlns="" w="9525">
                   <a:solidFill>
                     <a:srgbClr val="000000"/>
                   </a:solidFill>
@@ -330,7 +333,7 @@
             </a:ln>
             <a:extLst>
               <a:ext uri="{91240B29-F687-4f45-9708-019B960494DF}">
-                <a14:hiddenLine xmlns="" xmlns:a14="http://schemas.microsoft.com/office/drawing/2010/main" w="9525">
+                <a14:hiddenLine xmlns:a14="http://schemas.microsoft.com/office/drawing/2010/main" xmlns="" w="9525">
                   <a:solidFill>
                     <a:srgbClr val="000000"/>
                   </a:solidFill>
@@ -420,7 +423,7 @@
             </a:ln>
             <a:extLst>
               <a:ext uri="{91240B29-F687-4f45-9708-019B960494DF}">
-                <a14:hiddenLine xmlns="" xmlns:a14="http://schemas.microsoft.com/office/drawing/2010/main" w="9525">
+                <a14:hiddenLine xmlns:a14="http://schemas.microsoft.com/office/drawing/2010/main" xmlns="" w="9525">
                   <a:solidFill>
                     <a:srgbClr val="000000"/>
                   </a:solidFill>
@@ -454,7 +457,7 @@
             </a:ln>
             <a:extLst>
               <a:ext uri="{91240B29-F687-4f45-9708-019B960494DF}">
-                <a14:hiddenLine xmlns="" xmlns:a14="http://schemas.microsoft.com/office/drawing/2010/main" w="9525">
+                <a14:hiddenLine xmlns:a14="http://schemas.microsoft.com/office/drawing/2010/main" xmlns="" w="9525">
                   <a:solidFill>
                     <a:srgbClr val="000000"/>
                   </a:solidFill>
@@ -544,7 +547,7 @@
             </a:ln>
             <a:extLst>
               <a:ext uri="{91240B29-F687-4f45-9708-019B960494DF}">
-                <a14:hiddenLine xmlns="" xmlns:a14="http://schemas.microsoft.com/office/drawing/2010/main" w="9525">
+                <a14:hiddenLine xmlns:a14="http://schemas.microsoft.com/office/drawing/2010/main" xmlns="" w="9525">
                   <a:solidFill>
                     <a:srgbClr val="000000"/>
                   </a:solidFill>
@@ -606,7 +609,7 @@
             </a:ln>
             <a:extLst>
               <a:ext uri="{91240B29-F687-4f45-9708-019B960494DF}">
-                <a14:hiddenLine xmlns="" xmlns:a14="http://schemas.microsoft.com/office/drawing/2010/main" w="9525">
+                <a14:hiddenLine xmlns:a14="http://schemas.microsoft.com/office/drawing/2010/main" xmlns="" w="9525">
                   <a:solidFill>
                     <a:srgbClr val="000000"/>
                   </a:solidFill>
@@ -668,7 +671,7 @@
             </a:ln>
             <a:extLst>
               <a:ext uri="{91240B29-F687-4f45-9708-019B960494DF}">
-                <a14:hiddenLine xmlns="" xmlns:a14="http://schemas.microsoft.com/office/drawing/2010/main" w="9525">
+                <a14:hiddenLine xmlns:a14="http://schemas.microsoft.com/office/drawing/2010/main" xmlns="" w="9525">
                   <a:solidFill>
                     <a:srgbClr val="000000"/>
                   </a:solidFill>
@@ -758,7 +761,7 @@
             </a:ln>
             <a:extLst>
               <a:ext uri="{91240B29-F687-4f45-9708-019B960494DF}">
-                <a14:hiddenLine xmlns="" xmlns:a14="http://schemas.microsoft.com/office/drawing/2010/main" w="9525">
+                <a14:hiddenLine xmlns:a14="http://schemas.microsoft.com/office/drawing/2010/main" xmlns="" w="9525">
                   <a:solidFill>
                     <a:srgbClr val="000000"/>
                   </a:solidFill>
@@ -820,7 +823,7 @@
             </a:ln>
             <a:extLst>
               <a:ext uri="{91240B29-F687-4f45-9708-019B960494DF}">
-                <a14:hiddenLine xmlns="" xmlns:a14="http://schemas.microsoft.com/office/drawing/2010/main" w="9525">
+                <a14:hiddenLine xmlns:a14="http://schemas.microsoft.com/office/drawing/2010/main" xmlns="" w="9525">
                   <a:solidFill>
                     <a:srgbClr val="000000"/>
                   </a:solidFill>
@@ -882,7 +885,7 @@
             </a:ln>
             <a:extLst>
               <a:ext uri="{91240B29-F687-4f45-9708-019B960494DF}">
-                <a14:hiddenLine xmlns="" xmlns:a14="http://schemas.microsoft.com/office/drawing/2010/main" w="9525">
+                <a14:hiddenLine xmlns:a14="http://schemas.microsoft.com/office/drawing/2010/main" xmlns="" w="9525">
                   <a:solidFill>
                     <a:srgbClr val="000000"/>
                   </a:solidFill>
@@ -972,7 +975,7 @@
             </a:ln>
             <a:extLst>
               <a:ext uri="{91240B29-F687-4f45-9708-019B960494DF}">
-                <a14:hiddenLine xmlns="" xmlns:a14="http://schemas.microsoft.com/office/drawing/2010/main" w="9525">
+                <a14:hiddenLine xmlns:a14="http://schemas.microsoft.com/office/drawing/2010/main" xmlns="" w="9525">
                   <a:solidFill>
                     <a:srgbClr val="000000"/>
                   </a:solidFill>
@@ -1062,7 +1065,7 @@
             </a:ln>
             <a:extLst>
               <a:ext uri="{91240B29-F687-4f45-9708-019B960494DF}">
-                <a14:hiddenLine xmlns="" xmlns:a14="http://schemas.microsoft.com/office/drawing/2010/main" w="9525">
+                <a14:hiddenLine xmlns:a14="http://schemas.microsoft.com/office/drawing/2010/main" xmlns="" w="9525">
                   <a:solidFill>
                     <a:srgbClr val="000000"/>
                   </a:solidFill>
@@ -1124,7 +1127,7 @@
             </a:ln>
             <a:extLst>
               <a:ext uri="{91240B29-F687-4f45-9708-019B960494DF}">
-                <a14:hiddenLine xmlns="" xmlns:a14="http://schemas.microsoft.com/office/drawing/2010/main" w="9525">
+                <a14:hiddenLine xmlns:a14="http://schemas.microsoft.com/office/drawing/2010/main" xmlns="" w="9525">
                   <a:solidFill>
                     <a:srgbClr val="000000"/>
                   </a:solidFill>
@@ -1234,7 +1237,7 @@
             </a:ln>
             <a:extLst>
               <a:ext uri="{91240B29-F687-4f45-9708-019B960494DF}">
-                <a14:hiddenLine xmlns="" xmlns:a14="http://schemas.microsoft.com/office/drawing/2010/main" w="9525">
+                <a14:hiddenLine xmlns:a14="http://schemas.microsoft.com/office/drawing/2010/main" xmlns="" w="9525">
                   <a:solidFill>
                     <a:srgbClr val="000000"/>
                   </a:solidFill>
@@ -1296,7 +1299,7 @@
             </a:ln>
             <a:extLst>
               <a:ext uri="{91240B29-F687-4f45-9708-019B960494DF}">
-                <a14:hiddenLine xmlns="" xmlns:a14="http://schemas.microsoft.com/office/drawing/2010/main" w="9525">
+                <a14:hiddenLine xmlns:a14="http://schemas.microsoft.com/office/drawing/2010/main" xmlns="" w="9525">
                   <a:solidFill>
                     <a:srgbClr val="000000"/>
                   </a:solidFill>
@@ -1386,7 +1389,7 @@
             </a:ln>
             <a:extLst>
               <a:ext uri="{91240B29-F687-4f45-9708-019B960494DF}">
-                <a14:hiddenLine xmlns="" xmlns:a14="http://schemas.microsoft.com/office/drawing/2010/main" w="9525">
+                <a14:hiddenLine xmlns:a14="http://schemas.microsoft.com/office/drawing/2010/main" xmlns="" w="9525">
                   <a:solidFill>
                     <a:srgbClr val="000000"/>
                   </a:solidFill>
@@ -1476,7 +1479,7 @@
             </a:ln>
             <a:extLst>
               <a:ext uri="{91240B29-F687-4f45-9708-019B960494DF}">
-                <a14:hiddenLine xmlns="" xmlns:a14="http://schemas.microsoft.com/office/drawing/2010/main" w="9525">
+                <a14:hiddenLine xmlns:a14="http://schemas.microsoft.com/office/drawing/2010/main" xmlns="" w="9525">
                   <a:solidFill>
                     <a:srgbClr val="000000"/>
                   </a:solidFill>
@@ -1538,7 +1541,7 @@
             </a:ln>
             <a:extLst>
               <a:ext uri="{91240B29-F687-4f45-9708-019B960494DF}">
-                <a14:hiddenLine xmlns="" xmlns:a14="http://schemas.microsoft.com/office/drawing/2010/main" w="9525">
+                <a14:hiddenLine xmlns:a14="http://schemas.microsoft.com/office/drawing/2010/main" xmlns="" w="9525">
                   <a:solidFill>
                     <a:srgbClr val="000000"/>
                   </a:solidFill>
@@ -1628,7 +1631,7 @@
             </a:ln>
             <a:extLst>
               <a:ext uri="{91240B29-F687-4f45-9708-019B960494DF}">
-                <a14:hiddenLine xmlns="" xmlns:a14="http://schemas.microsoft.com/office/drawing/2010/main" w="9525">
+                <a14:hiddenLine xmlns:a14="http://schemas.microsoft.com/office/drawing/2010/main" xmlns="" w="9525">
                   <a:solidFill>
                     <a:srgbClr val="000000"/>
                   </a:solidFill>
@@ -1718,7 +1721,7 @@
             </a:ln>
             <a:extLst>
               <a:ext uri="{91240B29-F687-4f45-9708-019B960494DF}">
-                <a14:hiddenLine xmlns="" xmlns:a14="http://schemas.microsoft.com/office/drawing/2010/main" w="9525">
+                <a14:hiddenLine xmlns:a14="http://schemas.microsoft.com/office/drawing/2010/main" xmlns="" w="9525">
                   <a:solidFill>
                     <a:srgbClr val="000000"/>
                   </a:solidFill>
@@ -1774,7 +1777,7 @@
             </a:ln>
             <a:extLst>
               <a:ext uri="{91240B29-F687-4f45-9708-019B960494DF}">
-                <a14:hiddenLine xmlns="" xmlns:a14="http://schemas.microsoft.com/office/drawing/2010/main" w="9525">
+                <a14:hiddenLine xmlns:a14="http://schemas.microsoft.com/office/drawing/2010/main" xmlns="" w="9525">
                   <a:solidFill>
                     <a:srgbClr val="000000"/>
                   </a:solidFill>
@@ -1864,7 +1867,7 @@
             </a:ln>
             <a:extLst>
               <a:ext uri="{91240B29-F687-4f45-9708-019B960494DF}">
-                <a14:hiddenLine xmlns="" xmlns:a14="http://schemas.microsoft.com/office/drawing/2010/main" w="9525">
+                <a14:hiddenLine xmlns:a14="http://schemas.microsoft.com/office/drawing/2010/main" xmlns="" w="9525">
                   <a:solidFill>
                     <a:srgbClr val="000000"/>
                   </a:solidFill>
@@ -1920,7 +1923,7 @@
             </a:ln>
             <a:extLst>
               <a:ext uri="{91240B29-F687-4f45-9708-019B960494DF}">
-                <a14:hiddenLine xmlns="" xmlns:a14="http://schemas.microsoft.com/office/drawing/2010/main" w="9525">
+                <a14:hiddenLine xmlns:a14="http://schemas.microsoft.com/office/drawing/2010/main" xmlns="" w="9525">
                   <a:solidFill>
                     <a:srgbClr val="000000"/>
                   </a:solidFill>
@@ -2010,7 +2013,7 @@
             </a:ln>
             <a:extLst>
               <a:ext uri="{91240B29-F687-4f45-9708-019B960494DF}">
-                <a14:hiddenLine xmlns="" xmlns:a14="http://schemas.microsoft.com/office/drawing/2010/main" w="9525">
+                <a14:hiddenLine xmlns:a14="http://schemas.microsoft.com/office/drawing/2010/main" xmlns="" w="9525">
                   <a:solidFill>
                     <a:srgbClr val="000000"/>
                   </a:solidFill>
@@ -2078,7 +2081,7 @@
             </a:ln>
             <a:extLst>
               <a:ext uri="{91240B29-F687-4f45-9708-019B960494DF}">
-                <a14:hiddenLine xmlns="" xmlns:a14="http://schemas.microsoft.com/office/drawing/2010/main" w="9525">
+                <a14:hiddenLine xmlns:a14="http://schemas.microsoft.com/office/drawing/2010/main" xmlns="" w="9525">
                   <a:solidFill>
                     <a:srgbClr val="000000"/>
                   </a:solidFill>
@@ -2168,7 +2171,7 @@
             </a:ln>
             <a:extLst>
               <a:ext uri="{91240B29-F687-4f45-9708-019B960494DF}">
-                <a14:hiddenLine xmlns="" xmlns:a14="http://schemas.microsoft.com/office/drawing/2010/main" w="9525">
+                <a14:hiddenLine xmlns:a14="http://schemas.microsoft.com/office/drawing/2010/main" xmlns="" w="9525">
                   <a:solidFill>
                     <a:srgbClr val="000000"/>
                   </a:solidFill>
@@ -2236,7 +2239,7 @@
             </a:ln>
             <a:extLst>
               <a:ext uri="{91240B29-F687-4f45-9708-019B960494DF}">
-                <a14:hiddenLine xmlns="" xmlns:a14="http://schemas.microsoft.com/office/drawing/2010/main" w="9525">
+                <a14:hiddenLine xmlns:a14="http://schemas.microsoft.com/office/drawing/2010/main" xmlns="" w="9525">
                   <a:solidFill>
                     <a:srgbClr val="000000"/>
                   </a:solidFill>
@@ -2326,7 +2329,7 @@
             </a:ln>
             <a:extLst>
               <a:ext uri="{91240B29-F687-4f45-9708-019B960494DF}">
-                <a14:hiddenLine xmlns="" xmlns:a14="http://schemas.microsoft.com/office/drawing/2010/main" w="9525">
+                <a14:hiddenLine xmlns:a14="http://schemas.microsoft.com/office/drawing/2010/main" xmlns="" w="9525">
                   <a:solidFill>
                     <a:srgbClr val="000000"/>
                   </a:solidFill>
@@ -2360,7 +2363,7 @@
             </a:ln>
             <a:extLst>
               <a:ext uri="{91240B29-F687-4f45-9708-019B960494DF}">
-                <a14:hiddenLine xmlns="" xmlns:a14="http://schemas.microsoft.com/office/drawing/2010/main" w="9525">
+                <a14:hiddenLine xmlns:a14="http://schemas.microsoft.com/office/drawing/2010/main" xmlns="" w="9525">
                   <a:solidFill>
                     <a:srgbClr val="000000"/>
                   </a:solidFill>
@@ -2450,7 +2453,7 @@
             </a:ln>
             <a:extLst>
               <a:ext uri="{91240B29-F687-4f45-9708-019B960494DF}">
-                <a14:hiddenLine xmlns="" xmlns:a14="http://schemas.microsoft.com/office/drawing/2010/main" w="9525">
+                <a14:hiddenLine xmlns:a14="http://schemas.microsoft.com/office/drawing/2010/main" xmlns="" w="9525">
                   <a:solidFill>
                     <a:srgbClr val="000000"/>
                   </a:solidFill>
@@ -2512,7 +2515,7 @@
             </a:ln>
             <a:extLst>
               <a:ext uri="{91240B29-F687-4f45-9708-019B960494DF}">
-                <a14:hiddenLine xmlns="" xmlns:a14="http://schemas.microsoft.com/office/drawing/2010/main" w="9525">
+                <a14:hiddenLine xmlns:a14="http://schemas.microsoft.com/office/drawing/2010/main" xmlns="" w="9525">
                   <a:solidFill>
                     <a:srgbClr val="000000"/>
                   </a:solidFill>
@@ -2574,7 +2577,7 @@
             </a:ln>
             <a:extLst>
               <a:ext uri="{91240B29-F687-4f45-9708-019B960494DF}">
-                <a14:hiddenLine xmlns="" xmlns:a14="http://schemas.microsoft.com/office/drawing/2010/main" w="9525">
+                <a14:hiddenLine xmlns:a14="http://schemas.microsoft.com/office/drawing/2010/main" xmlns="" w="9525">
                   <a:solidFill>
                     <a:srgbClr val="000000"/>
                   </a:solidFill>
@@ -2664,7 +2667,7 @@
             </a:ln>
             <a:extLst>
               <a:ext uri="{91240B29-F687-4f45-9708-019B960494DF}">
-                <a14:hiddenLine xmlns="" xmlns:a14="http://schemas.microsoft.com/office/drawing/2010/main" w="9525">
+                <a14:hiddenLine xmlns:a14="http://schemas.microsoft.com/office/drawing/2010/main" xmlns="" w="9525">
                   <a:solidFill>
                     <a:srgbClr val="000000"/>
                   </a:solidFill>
@@ -2732,7 +2735,7 @@
             </a:ln>
             <a:extLst>
               <a:ext uri="{91240B29-F687-4f45-9708-019B960494DF}">
-                <a14:hiddenLine xmlns="" xmlns:a14="http://schemas.microsoft.com/office/drawing/2010/main" w="9525">
+                <a14:hiddenLine xmlns:a14="http://schemas.microsoft.com/office/drawing/2010/main" xmlns="" w="9525">
                   <a:solidFill>
                     <a:srgbClr val="000000"/>
                   </a:solidFill>
@@ -2794,7 +2797,7 @@
             </a:ln>
             <a:extLst>
               <a:ext uri="{91240B29-F687-4f45-9708-019B960494DF}">
-                <a14:hiddenLine xmlns="" xmlns:a14="http://schemas.microsoft.com/office/drawing/2010/main" w="9525">
+                <a14:hiddenLine xmlns:a14="http://schemas.microsoft.com/office/drawing/2010/main" xmlns="" w="9525">
                   <a:solidFill>
                     <a:srgbClr val="000000"/>
                   </a:solidFill>
@@ -2884,7 +2887,7 @@
             </a:ln>
             <a:extLst>
               <a:ext uri="{91240B29-F687-4f45-9708-019B960494DF}">
-                <a14:hiddenLine xmlns="" xmlns:a14="http://schemas.microsoft.com/office/drawing/2010/main" w="9525">
+                <a14:hiddenLine xmlns:a14="http://schemas.microsoft.com/office/drawing/2010/main" xmlns="" w="9525">
                   <a:solidFill>
                     <a:srgbClr val="000000"/>
                   </a:solidFill>
@@ -2946,7 +2949,7 @@
             </a:ln>
             <a:extLst>
               <a:ext uri="{91240B29-F687-4f45-9708-019B960494DF}">
-                <a14:hiddenLine xmlns="" xmlns:a14="http://schemas.microsoft.com/office/drawing/2010/main" w="9525">
+                <a14:hiddenLine xmlns:a14="http://schemas.microsoft.com/office/drawing/2010/main" xmlns="" w="9525">
                   <a:solidFill>
                     <a:srgbClr val="000000"/>
                   </a:solidFill>
@@ -3036,7 +3039,7 @@
             </a:ln>
             <a:extLst>
               <a:ext uri="{91240B29-F687-4f45-9708-019B960494DF}">
-                <a14:hiddenLine xmlns="" xmlns:a14="http://schemas.microsoft.com/office/drawing/2010/main" w="9525">
+                <a14:hiddenLine xmlns:a14="http://schemas.microsoft.com/office/drawing/2010/main" xmlns="" w="9525">
                   <a:solidFill>
                     <a:srgbClr val="000000"/>
                   </a:solidFill>
@@ -3098,7 +3101,7 @@
             </a:ln>
             <a:extLst>
               <a:ext uri="{91240B29-F687-4f45-9708-019B960494DF}">
-                <a14:hiddenLine xmlns="" xmlns:a14="http://schemas.microsoft.com/office/drawing/2010/main" w="9525">
+                <a14:hiddenLine xmlns:a14="http://schemas.microsoft.com/office/drawing/2010/main" xmlns="" w="9525">
                   <a:solidFill>
                     <a:srgbClr val="000000"/>
                   </a:solidFill>
@@ -3188,7 +3191,7 @@
             </a:ln>
             <a:extLst>
               <a:ext uri="{91240B29-F687-4f45-9708-019B960494DF}">
-                <a14:hiddenLine xmlns="" xmlns:a14="http://schemas.microsoft.com/office/drawing/2010/main" w="9525">
+                <a14:hiddenLine xmlns:a14="http://schemas.microsoft.com/office/drawing/2010/main" xmlns="" w="9525">
                   <a:solidFill>
                     <a:srgbClr val="000000"/>
                   </a:solidFill>
@@ -3222,7 +3225,7 @@
             </a:ln>
             <a:extLst>
               <a:ext uri="{91240B29-F687-4f45-9708-019B960494DF}">
-                <a14:hiddenLine xmlns="" xmlns:a14="http://schemas.microsoft.com/office/drawing/2010/main" w="9525">
+                <a14:hiddenLine xmlns:a14="http://schemas.microsoft.com/office/drawing/2010/main" xmlns="" w="9525">
                   <a:solidFill>
                     <a:srgbClr val="000000"/>
                   </a:solidFill>
@@ -3287,7 +3290,7 @@
             </a:ln>
             <a:extLst>
               <a:ext uri="{91240B29-F687-4f45-9708-019B960494DF}">
-                <a14:hiddenLine xmlns="" xmlns:a14="http://schemas.microsoft.com/office/drawing/2010/main" w="9525">
+                <a14:hiddenLine xmlns:a14="http://schemas.microsoft.com/office/drawing/2010/main" xmlns="" w="9525">
                   <a:solidFill>
                     <a:srgbClr val="000000"/>
                   </a:solidFill>
@@ -3377,7 +3380,7 @@
             </a:ln>
             <a:extLst>
               <a:ext uri="{91240B29-F687-4f45-9708-019B960494DF}">
-                <a14:hiddenLine xmlns="" xmlns:a14="http://schemas.microsoft.com/office/drawing/2010/main" w="9525">
+                <a14:hiddenLine xmlns:a14="http://schemas.microsoft.com/office/drawing/2010/main" xmlns="" w="9525">
                   <a:solidFill>
                     <a:srgbClr val="000000"/>
                   </a:solidFill>
@@ -3439,7 +3442,7 @@
             </a:ln>
             <a:extLst>
               <a:ext uri="{91240B29-F687-4f45-9708-019B960494DF}">
-                <a14:hiddenLine xmlns="" xmlns:a14="http://schemas.microsoft.com/office/drawing/2010/main" w="9525">
+                <a14:hiddenLine xmlns:a14="http://schemas.microsoft.com/office/drawing/2010/main" xmlns="" w="9525">
                   <a:solidFill>
                     <a:srgbClr val="000000"/>
                   </a:solidFill>
@@ -3529,7 +3532,7 @@
             </a:ln>
             <a:extLst>
               <a:ext uri="{91240B29-F687-4f45-9708-019B960494DF}">
-                <a14:hiddenLine xmlns="" xmlns:a14="http://schemas.microsoft.com/office/drawing/2010/main" w="9525">
+                <a14:hiddenLine xmlns:a14="http://schemas.microsoft.com/office/drawing/2010/main" xmlns="" w="9525">
                   <a:solidFill>
                     <a:srgbClr val="000000"/>
                   </a:solidFill>
@@ -3619,7 +3622,7 @@
             </a:ln>
             <a:extLst>
               <a:ext uri="{91240B29-F687-4f45-9708-019B960494DF}">
-                <a14:hiddenLine xmlns="" xmlns:a14="http://schemas.microsoft.com/office/drawing/2010/main" w="9525">
+                <a14:hiddenLine xmlns:a14="http://schemas.microsoft.com/office/drawing/2010/main" xmlns="" w="9525">
                   <a:solidFill>
                     <a:srgbClr val="000000"/>
                   </a:solidFill>
@@ -3684,7 +3687,7 @@
             </a:ln>
             <a:extLst>
               <a:ext uri="{91240B29-F687-4f45-9708-019B960494DF}">
-                <a14:hiddenLine xmlns="" xmlns:a14="http://schemas.microsoft.com/office/drawing/2010/main" w="9525">
+                <a14:hiddenLine xmlns:a14="http://schemas.microsoft.com/office/drawing/2010/main" xmlns="" w="9525">
                   <a:solidFill>
                     <a:srgbClr val="000000"/>
                   </a:solidFill>
@@ -3746,7 +3749,7 @@
             </a:ln>
             <a:extLst>
               <a:ext uri="{91240B29-F687-4f45-9708-019B960494DF}">
-                <a14:hiddenLine xmlns="" xmlns:a14="http://schemas.microsoft.com/office/drawing/2010/main" w="9525">
+                <a14:hiddenLine xmlns:a14="http://schemas.microsoft.com/office/drawing/2010/main" xmlns="" w="9525">
                   <a:solidFill>
                     <a:srgbClr val="000000"/>
                   </a:solidFill>
@@ -3836,7 +3839,7 @@
             </a:ln>
             <a:extLst>
               <a:ext uri="{91240B29-F687-4f45-9708-019B960494DF}">
-                <a14:hiddenLine xmlns="" xmlns:a14="http://schemas.microsoft.com/office/drawing/2010/main" w="9525">
+                <a14:hiddenLine xmlns:a14="http://schemas.microsoft.com/office/drawing/2010/main" xmlns="" w="9525">
                   <a:solidFill>
                     <a:srgbClr val="000000"/>
                   </a:solidFill>
@@ -3926,7 +3929,7 @@
             </a:ln>
             <a:extLst>
               <a:ext uri="{91240B29-F687-4f45-9708-019B960494DF}">
-                <a14:hiddenLine xmlns="" xmlns:a14="http://schemas.microsoft.com/office/drawing/2010/main" w="9525">
+                <a14:hiddenLine xmlns:a14="http://schemas.microsoft.com/office/drawing/2010/main" xmlns="" w="9525">
                   <a:solidFill>
                     <a:srgbClr val="000000"/>
                   </a:solidFill>
@@ -3988,7 +3991,7 @@
             </a:ln>
             <a:extLst>
               <a:ext uri="{91240B29-F687-4f45-9708-019B960494DF}">
-                <a14:hiddenLine xmlns="" xmlns:a14="http://schemas.microsoft.com/office/drawing/2010/main" w="9525">
+                <a14:hiddenLine xmlns:a14="http://schemas.microsoft.com/office/drawing/2010/main" xmlns="" w="9525">
                   <a:solidFill>
                     <a:srgbClr val="000000"/>
                   </a:solidFill>
@@ -4108,7 +4111,7 @@
             </a:ln>
             <a:extLst>
               <a:ext uri="{91240B29-F687-4f45-9708-019B960494DF}">
-                <a14:hiddenLine xmlns="" xmlns:a14="http://schemas.microsoft.com/office/drawing/2010/main" w="9525">
+                <a14:hiddenLine xmlns:a14="http://schemas.microsoft.com/office/drawing/2010/main" xmlns="" w="9525">
                   <a:solidFill>
                     <a:srgbClr val="000000"/>
                   </a:solidFill>
@@ -4176,7 +4179,7 @@
             </a:ln>
             <a:extLst>
               <a:ext uri="{91240B29-F687-4f45-9708-019B960494DF}">
-                <a14:hiddenLine xmlns="" xmlns:a14="http://schemas.microsoft.com/office/drawing/2010/main" w="9525">
+                <a14:hiddenLine xmlns:a14="http://schemas.microsoft.com/office/drawing/2010/main" xmlns="" w="9525">
                   <a:solidFill>
                     <a:srgbClr val="000000"/>
                   </a:solidFill>
@@ -4266,7 +4269,7 @@
             </a:ln>
             <a:extLst>
               <a:ext uri="{91240B29-F687-4f45-9708-019B960494DF}">
-                <a14:hiddenLine xmlns="" xmlns:a14="http://schemas.microsoft.com/office/drawing/2010/main" w="9525">
+                <a14:hiddenLine xmlns:a14="http://schemas.microsoft.com/office/drawing/2010/main" xmlns="" w="9525">
                   <a:solidFill>
                     <a:srgbClr val="000000"/>
                   </a:solidFill>
@@ -4406,7 +4409,7 @@
           <a:p>
             <a:fld id="{48A87A34-81AB-432B-8DAE-1953F412C126}" type="datetimeFigureOut">
               <a:rPr lang="en-US" dirty="0"/>
-              <a:t>1/5/2022</a:t>
+              <a:t>8/24/2022</a:t>
             </a:fld>
             <a:endParaRPr lang="en-US" dirty="0"/>
           </a:p>
@@ -4668,7 +4671,7 @@
           <a:p>
             <a:fld id="{48A87A34-81AB-432B-8DAE-1953F412C126}" type="datetimeFigureOut">
               <a:rPr lang="en-US" dirty="0"/>
-              <a:t>1/5/2022</a:t>
+              <a:t>8/24/2022</a:t>
             </a:fld>
             <a:endParaRPr lang="en-US" dirty="0"/>
           </a:p>
@@ -4859,7 +4862,7 @@
           <a:p>
             <a:fld id="{48A87A34-81AB-432B-8DAE-1953F412C126}" type="datetimeFigureOut">
               <a:rPr lang="en-US" dirty="0"/>
-              <a:t>1/5/2022</a:t>
+              <a:t>8/24/2022</a:t>
             </a:fld>
             <a:endParaRPr lang="en-US" dirty="0"/>
           </a:p>
@@ -5117,7 +5120,7 @@
           <a:p>
             <a:fld id="{48A87A34-81AB-432B-8DAE-1953F412C126}" type="datetimeFigureOut">
               <a:rPr lang="en-US" dirty="0"/>
-              <a:t>1/5/2022</a:t>
+              <a:t>8/24/2022</a:t>
             </a:fld>
             <a:endParaRPr lang="en-US" dirty="0"/>
           </a:p>
@@ -5546,7 +5549,7 @@
           <a:p>
             <a:fld id="{48A87A34-81AB-432B-8DAE-1953F412C126}" type="datetimeFigureOut">
               <a:rPr lang="en-US" dirty="0"/>
-              <a:t>1/5/2022</a:t>
+              <a:t>8/24/2022</a:t>
             </a:fld>
             <a:endParaRPr lang="en-US" dirty="0"/>
           </a:p>
@@ -6087,7 +6090,7 @@
           <a:p>
             <a:fld id="{48A87A34-81AB-432B-8DAE-1953F412C126}" type="datetimeFigureOut">
               <a:rPr lang="en-US" dirty="0"/>
-              <a:t>1/5/2022</a:t>
+              <a:t>8/24/2022</a:t>
             </a:fld>
             <a:endParaRPr lang="en-US" dirty="0"/>
           </a:p>
@@ -6802,7 +6805,7 @@
           <a:p>
             <a:fld id="{48A87A34-81AB-432B-8DAE-1953F412C126}" type="datetimeFigureOut">
               <a:rPr lang="en-US" dirty="0"/>
-              <a:t>1/5/2022</a:t>
+              <a:t>8/24/2022</a:t>
             </a:fld>
             <a:endParaRPr lang="en-US" dirty="0"/>
           </a:p>
@@ -6967,7 +6970,7 @@
           <a:p>
             <a:fld id="{48A87A34-81AB-432B-8DAE-1953F412C126}" type="datetimeFigureOut">
               <a:rPr lang="en-US" dirty="0"/>
-              <a:t>1/5/2022</a:t>
+              <a:t>8/24/2022</a:t>
             </a:fld>
             <a:endParaRPr lang="en-US" dirty="0"/>
           </a:p>
@@ -7142,7 +7145,7 @@
           <a:p>
             <a:fld id="{48A87A34-81AB-432B-8DAE-1953F412C126}" type="datetimeFigureOut">
               <a:rPr lang="en-US" dirty="0"/>
-              <a:t>1/5/2022</a:t>
+              <a:t>8/24/2022</a:t>
             </a:fld>
             <a:endParaRPr lang="en-US" dirty="0"/>
           </a:p>
@@ -7307,7 +7310,7 @@
           <a:p>
             <a:fld id="{48A87A34-81AB-432B-8DAE-1953F412C126}" type="datetimeFigureOut">
               <a:rPr lang="en-US" dirty="0"/>
-              <a:t>1/5/2022</a:t>
+              <a:t>8/24/2022</a:t>
             </a:fld>
             <a:endParaRPr lang="en-US" dirty="0"/>
           </a:p>
@@ -7552,7 +7555,7 @@
           <a:p>
             <a:fld id="{48A87A34-81AB-432B-8DAE-1953F412C126}" type="datetimeFigureOut">
               <a:rPr lang="en-US" dirty="0"/>
-              <a:t>1/5/2022</a:t>
+              <a:t>8/24/2022</a:t>
             </a:fld>
             <a:endParaRPr lang="en-US" dirty="0"/>
           </a:p>
@@ -7779,7 +7782,7 @@
           <a:p>
             <a:fld id="{48A87A34-81AB-432B-8DAE-1953F412C126}" type="datetimeFigureOut">
               <a:rPr lang="en-US" dirty="0"/>
-              <a:t>1/5/2022</a:t>
+              <a:t>8/24/2022</a:t>
             </a:fld>
             <a:endParaRPr lang="en-US" dirty="0"/>
           </a:p>
@@ -8155,7 +8158,7 @@
           <a:p>
             <a:fld id="{48A87A34-81AB-432B-8DAE-1953F412C126}" type="datetimeFigureOut">
               <a:rPr lang="en-US" dirty="0"/>
-              <a:t>1/5/2022</a:t>
+              <a:t>8/24/2022</a:t>
             </a:fld>
             <a:endParaRPr lang="en-US" dirty="0"/>
           </a:p>
@@ -8268,7 +8271,7 @@
           <a:p>
             <a:fld id="{48A87A34-81AB-432B-8DAE-1953F412C126}" type="datetimeFigureOut">
               <a:rPr lang="en-US" dirty="0"/>
-              <a:t>1/5/2022</a:t>
+              <a:t>8/24/2022</a:t>
             </a:fld>
             <a:endParaRPr lang="en-US" dirty="0"/>
           </a:p>
@@ -8358,7 +8361,7 @@
           <a:p>
             <a:fld id="{48A87A34-81AB-432B-8DAE-1953F412C126}" type="datetimeFigureOut">
               <a:rPr lang="en-US" dirty="0"/>
-              <a:t>1/5/2022</a:t>
+              <a:t>8/24/2022</a:t>
             </a:fld>
             <a:endParaRPr lang="en-US" dirty="0"/>
           </a:p>
@@ -8602,7 +8605,7 @@
           <a:p>
             <a:fld id="{48A87A34-81AB-432B-8DAE-1953F412C126}" type="datetimeFigureOut">
               <a:rPr lang="en-US" dirty="0"/>
-              <a:t>1/5/2022</a:t>
+              <a:t>8/24/2022</a:t>
             </a:fld>
             <a:endParaRPr lang="en-US" dirty="0"/>
           </a:p>
@@ -8877,7 +8880,7 @@
           <a:p>
             <a:fld id="{48A87A34-81AB-432B-8DAE-1953F412C126}" type="datetimeFigureOut">
               <a:rPr lang="en-US" dirty="0"/>
-              <a:t>1/5/2022</a:t>
+              <a:t>8/24/2022</a:t>
             </a:fld>
             <a:endParaRPr lang="en-US" dirty="0"/>
           </a:p>
@@ -8995,7 +8998,7 @@
           <a:noFill/>
           <a:extLst>
             <a:ext uri="{909E8E84-426E-40dd-AFC4-6F175D3DCCD1}">
-              <a14:hiddenFill xmlns="" xmlns:a14="http://schemas.microsoft.com/office/drawing/2010/main">
+              <a14:hiddenFill xmlns:a14="http://schemas.microsoft.com/office/drawing/2010/main" xmlns="">
                 <a:solidFill>
                   <a:srgbClr val="FFFFFF"/>
                 </a:solidFill>
@@ -9069,7 +9072,7 @@
               </a:ln>
               <a:extLst>
                 <a:ext uri="{91240B29-F687-4f45-9708-019B960494DF}">
-                  <a14:hiddenLine xmlns="" xmlns:a14="http://schemas.microsoft.com/office/drawing/2010/main" w="9525">
+                  <a14:hiddenLine xmlns:a14="http://schemas.microsoft.com/office/drawing/2010/main" xmlns="" w="9525">
                     <a:solidFill>
                       <a:srgbClr val="000000"/>
                     </a:solidFill>
@@ -9159,7 +9162,7 @@
               </a:ln>
               <a:extLst>
                 <a:ext uri="{91240B29-F687-4f45-9708-019B960494DF}">
-                  <a14:hiddenLine xmlns="" xmlns:a14="http://schemas.microsoft.com/office/drawing/2010/main" w="9525">
+                  <a14:hiddenLine xmlns:a14="http://schemas.microsoft.com/office/drawing/2010/main" xmlns="" w="9525">
                     <a:solidFill>
                       <a:srgbClr val="000000"/>
                     </a:solidFill>
@@ -9249,7 +9252,7 @@
               </a:ln>
               <a:extLst>
                 <a:ext uri="{91240B29-F687-4f45-9708-019B960494DF}">
-                  <a14:hiddenLine xmlns="" xmlns:a14="http://schemas.microsoft.com/office/drawing/2010/main" w="9525">
+                  <a14:hiddenLine xmlns:a14="http://schemas.microsoft.com/office/drawing/2010/main" xmlns="" w="9525">
                     <a:solidFill>
                       <a:srgbClr val="000000"/>
                     </a:solidFill>
@@ -9311,7 +9314,7 @@
               </a:ln>
               <a:extLst>
                 <a:ext uri="{91240B29-F687-4f45-9708-019B960494DF}">
-                  <a14:hiddenLine xmlns="" xmlns:a14="http://schemas.microsoft.com/office/drawing/2010/main" w="9525">
+                  <a14:hiddenLine xmlns:a14="http://schemas.microsoft.com/office/drawing/2010/main" xmlns="" w="9525">
                     <a:solidFill>
                       <a:srgbClr val="000000"/>
                     </a:solidFill>
@@ -9401,7 +9404,7 @@
               </a:ln>
               <a:extLst>
                 <a:ext uri="{91240B29-F687-4f45-9708-019B960494DF}">
-                  <a14:hiddenLine xmlns="" xmlns:a14="http://schemas.microsoft.com/office/drawing/2010/main" w="9525">
+                  <a14:hiddenLine xmlns:a14="http://schemas.microsoft.com/office/drawing/2010/main" xmlns="" w="9525">
                     <a:solidFill>
                       <a:srgbClr val="000000"/>
                     </a:solidFill>
@@ -9463,7 +9466,7 @@
               </a:ln>
               <a:extLst>
                 <a:ext uri="{91240B29-F687-4f45-9708-019B960494DF}">
-                  <a14:hiddenLine xmlns="" xmlns:a14="http://schemas.microsoft.com/office/drawing/2010/main" w="9525">
+                  <a14:hiddenLine xmlns:a14="http://schemas.microsoft.com/office/drawing/2010/main" xmlns="" w="9525">
                     <a:solidFill>
                       <a:srgbClr val="000000"/>
                     </a:solidFill>
@@ -9525,7 +9528,7 @@
               </a:ln>
               <a:extLst>
                 <a:ext uri="{91240B29-F687-4f45-9708-019B960494DF}">
-                  <a14:hiddenLine xmlns="" xmlns:a14="http://schemas.microsoft.com/office/drawing/2010/main" w="9525">
+                  <a14:hiddenLine xmlns:a14="http://schemas.microsoft.com/office/drawing/2010/main" xmlns="" w="9525">
                     <a:solidFill>
                       <a:srgbClr val="000000"/>
                     </a:solidFill>
@@ -9615,7 +9618,7 @@
               </a:ln>
               <a:extLst>
                 <a:ext uri="{91240B29-F687-4f45-9708-019B960494DF}">
-                  <a14:hiddenLine xmlns="" xmlns:a14="http://schemas.microsoft.com/office/drawing/2010/main" w="9525">
+                  <a14:hiddenLine xmlns:a14="http://schemas.microsoft.com/office/drawing/2010/main" xmlns="" w="9525">
                     <a:solidFill>
                       <a:srgbClr val="000000"/>
                     </a:solidFill>
@@ -9705,7 +9708,7 @@
               </a:ln>
               <a:extLst>
                 <a:ext uri="{91240B29-F687-4f45-9708-019B960494DF}">
-                  <a14:hiddenLine xmlns="" xmlns:a14="http://schemas.microsoft.com/office/drawing/2010/main" w="9525">
+                  <a14:hiddenLine xmlns:a14="http://schemas.microsoft.com/office/drawing/2010/main" xmlns="" w="9525">
                     <a:solidFill>
                       <a:srgbClr val="000000"/>
                     </a:solidFill>
@@ -9767,7 +9770,7 @@
               </a:ln>
               <a:extLst>
                 <a:ext uri="{91240B29-F687-4f45-9708-019B960494DF}">
-                  <a14:hiddenLine xmlns="" xmlns:a14="http://schemas.microsoft.com/office/drawing/2010/main" w="9525">
+                  <a14:hiddenLine xmlns:a14="http://schemas.microsoft.com/office/drawing/2010/main" xmlns="" w="9525">
                     <a:solidFill>
                       <a:srgbClr val="000000"/>
                     </a:solidFill>
@@ -9877,7 +9880,7 @@
               </a:ln>
               <a:extLst>
                 <a:ext uri="{91240B29-F687-4f45-9708-019B960494DF}">
-                  <a14:hiddenLine xmlns="" xmlns:a14="http://schemas.microsoft.com/office/drawing/2010/main" w="9525">
+                  <a14:hiddenLine xmlns:a14="http://schemas.microsoft.com/office/drawing/2010/main" xmlns="" w="9525">
                     <a:solidFill>
                       <a:srgbClr val="000000"/>
                     </a:solidFill>
@@ -9961,7 +9964,7 @@
               </a:ln>
               <a:extLst>
                 <a:ext uri="{91240B29-F687-4f45-9708-019B960494DF}">
-                  <a14:hiddenLine xmlns="" xmlns:a14="http://schemas.microsoft.com/office/drawing/2010/main" w="9525">
+                  <a14:hiddenLine xmlns:a14="http://schemas.microsoft.com/office/drawing/2010/main" xmlns="" w="9525">
                     <a:solidFill>
                       <a:srgbClr val="000000"/>
                     </a:solidFill>
@@ -10023,7 +10026,7 @@
               </a:ln>
               <a:extLst>
                 <a:ext uri="{91240B29-F687-4f45-9708-019B960494DF}">
-                  <a14:hiddenLine xmlns="" xmlns:a14="http://schemas.microsoft.com/office/drawing/2010/main" w="9525">
+                  <a14:hiddenLine xmlns:a14="http://schemas.microsoft.com/office/drawing/2010/main" xmlns="" w="9525">
                     <a:solidFill>
                       <a:srgbClr val="000000"/>
                     </a:solidFill>
@@ -10085,7 +10088,7 @@
               </a:ln>
               <a:extLst>
                 <a:ext uri="{91240B29-F687-4f45-9708-019B960494DF}">
-                  <a14:hiddenLine xmlns="" xmlns:a14="http://schemas.microsoft.com/office/drawing/2010/main" w="9525">
+                  <a14:hiddenLine xmlns:a14="http://schemas.microsoft.com/office/drawing/2010/main" xmlns="" w="9525">
                     <a:solidFill>
                       <a:srgbClr val="000000"/>
                     </a:solidFill>
@@ -10175,7 +10178,7 @@
               </a:ln>
               <a:extLst>
                 <a:ext uri="{91240B29-F687-4f45-9708-019B960494DF}">
-                  <a14:hiddenLine xmlns="" xmlns:a14="http://schemas.microsoft.com/office/drawing/2010/main" w="9525">
+                  <a14:hiddenLine xmlns:a14="http://schemas.microsoft.com/office/drawing/2010/main" xmlns="" w="9525">
                     <a:solidFill>
                       <a:srgbClr val="000000"/>
                     </a:solidFill>
@@ -10209,7 +10212,7 @@
               </a:ln>
               <a:extLst>
                 <a:ext uri="{91240B29-F687-4f45-9708-019B960494DF}">
-                  <a14:hiddenLine xmlns="" xmlns:a14="http://schemas.microsoft.com/office/drawing/2010/main" w="9525">
+                  <a14:hiddenLine xmlns:a14="http://schemas.microsoft.com/office/drawing/2010/main" xmlns="" w="9525">
                     <a:solidFill>
                       <a:srgbClr val="000000"/>
                     </a:solidFill>
@@ -10274,7 +10277,7 @@
               </a:ln>
               <a:extLst>
                 <a:ext uri="{91240B29-F687-4f45-9708-019B960494DF}">
-                  <a14:hiddenLine xmlns="" xmlns:a14="http://schemas.microsoft.com/office/drawing/2010/main" w="9525">
+                  <a14:hiddenLine xmlns:a14="http://schemas.microsoft.com/office/drawing/2010/main" xmlns="" w="9525">
                     <a:solidFill>
                       <a:srgbClr val="000000"/>
                     </a:solidFill>
@@ -10364,7 +10367,7 @@
               </a:ln>
               <a:extLst>
                 <a:ext uri="{91240B29-F687-4f45-9708-019B960494DF}">
-                  <a14:hiddenLine xmlns="" xmlns:a14="http://schemas.microsoft.com/office/drawing/2010/main" w="9525">
+                  <a14:hiddenLine xmlns:a14="http://schemas.microsoft.com/office/drawing/2010/main" xmlns="" w="9525">
                     <a:solidFill>
                       <a:srgbClr val="000000"/>
                     </a:solidFill>
@@ -10426,7 +10429,7 @@
               </a:ln>
               <a:extLst>
                 <a:ext uri="{91240B29-F687-4f45-9708-019B960494DF}">
-                  <a14:hiddenLine xmlns="" xmlns:a14="http://schemas.microsoft.com/office/drawing/2010/main" w="9525">
+                  <a14:hiddenLine xmlns:a14="http://schemas.microsoft.com/office/drawing/2010/main" xmlns="" w="9525">
                     <a:solidFill>
                       <a:srgbClr val="000000"/>
                     </a:solidFill>
@@ -10516,7 +10519,7 @@
               </a:ln>
               <a:extLst>
                 <a:ext uri="{91240B29-F687-4f45-9708-019B960494DF}">
-                  <a14:hiddenLine xmlns="" xmlns:a14="http://schemas.microsoft.com/office/drawing/2010/main" w="9525">
+                  <a14:hiddenLine xmlns:a14="http://schemas.microsoft.com/office/drawing/2010/main" xmlns="" w="9525">
                     <a:solidFill>
                       <a:srgbClr val="000000"/>
                     </a:solidFill>
@@ -10581,7 +10584,7 @@
               </a:ln>
               <a:extLst>
                 <a:ext uri="{91240B29-F687-4f45-9708-019B960494DF}">
-                  <a14:hiddenLine xmlns="" xmlns:a14="http://schemas.microsoft.com/office/drawing/2010/main" w="9525">
+                  <a14:hiddenLine xmlns:a14="http://schemas.microsoft.com/office/drawing/2010/main" xmlns="" w="9525">
                     <a:solidFill>
                       <a:srgbClr val="000000"/>
                     </a:solidFill>
@@ -10643,7 +10646,7 @@
               </a:ln>
               <a:extLst>
                 <a:ext uri="{91240B29-F687-4f45-9708-019B960494DF}">
-                  <a14:hiddenLine xmlns="" xmlns:a14="http://schemas.microsoft.com/office/drawing/2010/main" w="9525">
+                  <a14:hiddenLine xmlns:a14="http://schemas.microsoft.com/office/drawing/2010/main" xmlns="" w="9525">
                     <a:solidFill>
                       <a:srgbClr val="000000"/>
                     </a:solidFill>
@@ -10733,7 +10736,7 @@
               </a:ln>
               <a:extLst>
                 <a:ext uri="{91240B29-F687-4f45-9708-019B960494DF}">
-                  <a14:hiddenLine xmlns="" xmlns:a14="http://schemas.microsoft.com/office/drawing/2010/main" w="9525">
+                  <a14:hiddenLine xmlns:a14="http://schemas.microsoft.com/office/drawing/2010/main" xmlns="" w="9525">
                     <a:solidFill>
                       <a:srgbClr val="000000"/>
                     </a:solidFill>
@@ -10823,7 +10826,7 @@
               </a:ln>
               <a:extLst>
                 <a:ext uri="{91240B29-F687-4f45-9708-019B960494DF}">
-                  <a14:hiddenLine xmlns="" xmlns:a14="http://schemas.microsoft.com/office/drawing/2010/main" w="9525">
+                  <a14:hiddenLine xmlns:a14="http://schemas.microsoft.com/office/drawing/2010/main" xmlns="" w="9525">
                     <a:solidFill>
                       <a:srgbClr val="000000"/>
                     </a:solidFill>
@@ -10888,7 +10891,7 @@
               </a:ln>
               <a:extLst>
                 <a:ext uri="{91240B29-F687-4f45-9708-019B960494DF}">
-                  <a14:hiddenLine xmlns="" xmlns:a14="http://schemas.microsoft.com/office/drawing/2010/main" w="9525">
+                  <a14:hiddenLine xmlns:a14="http://schemas.microsoft.com/office/drawing/2010/main" xmlns="" w="9525">
                     <a:solidFill>
                       <a:srgbClr val="000000"/>
                     </a:solidFill>
@@ -11008,7 +11011,7 @@
               </a:ln>
               <a:extLst>
                 <a:ext uri="{91240B29-F687-4f45-9708-019B960494DF}">
-                  <a14:hiddenLine xmlns="" xmlns:a14="http://schemas.microsoft.com/office/drawing/2010/main" w="9525">
+                  <a14:hiddenLine xmlns:a14="http://schemas.microsoft.com/office/drawing/2010/main" xmlns="" w="9525">
                     <a:solidFill>
                       <a:srgbClr val="000000"/>
                     </a:solidFill>
@@ -11089,7 +11092,7 @@
               </a:ln>
               <a:extLst>
                 <a:ext uri="{91240B29-F687-4f45-9708-019B960494DF}">
-                  <a14:hiddenLine xmlns="" xmlns:a14="http://schemas.microsoft.com/office/drawing/2010/main" w="9525">
+                  <a14:hiddenLine xmlns:a14="http://schemas.microsoft.com/office/drawing/2010/main" xmlns="" w="9525">
                     <a:solidFill>
                       <a:srgbClr val="000000"/>
                     </a:solidFill>
@@ -11204,7 +11207,7 @@
               </a:ln>
               <a:extLst>
                 <a:ext uri="{91240B29-F687-4f45-9708-019B960494DF}">
-                  <a14:hiddenLine xmlns="" xmlns:a14="http://schemas.microsoft.com/office/drawing/2010/main" w="9525">
+                  <a14:hiddenLine xmlns:a14="http://schemas.microsoft.com/office/drawing/2010/main" xmlns="" w="9525">
                     <a:solidFill>
                       <a:srgbClr val="000000"/>
                     </a:solidFill>
@@ -11294,7 +11297,7 @@
               </a:ln>
               <a:extLst>
                 <a:ext uri="{91240B29-F687-4f45-9708-019B960494DF}">
-                  <a14:hiddenLine xmlns="" xmlns:a14="http://schemas.microsoft.com/office/drawing/2010/main" w="9525">
+                  <a14:hiddenLine xmlns:a14="http://schemas.microsoft.com/office/drawing/2010/main" xmlns="" w="9525">
                     <a:solidFill>
                       <a:srgbClr val="000000"/>
                     </a:solidFill>
@@ -11359,7 +11362,7 @@
               </a:ln>
               <a:extLst>
                 <a:ext uri="{91240B29-F687-4f45-9708-019B960494DF}">
-                  <a14:hiddenLine xmlns="" xmlns:a14="http://schemas.microsoft.com/office/drawing/2010/main" w="9525">
+                  <a14:hiddenLine xmlns:a14="http://schemas.microsoft.com/office/drawing/2010/main" xmlns="" w="9525">
                     <a:solidFill>
                       <a:srgbClr val="000000"/>
                     </a:solidFill>
@@ -11449,7 +11452,7 @@
               </a:ln>
               <a:extLst>
                 <a:ext uri="{91240B29-F687-4f45-9708-019B960494DF}">
-                  <a14:hiddenLine xmlns="" xmlns:a14="http://schemas.microsoft.com/office/drawing/2010/main" w="9525">
+                  <a14:hiddenLine xmlns:a14="http://schemas.microsoft.com/office/drawing/2010/main" xmlns="" w="9525">
                     <a:solidFill>
                       <a:srgbClr val="000000"/>
                     </a:solidFill>
@@ -11517,7 +11520,7 @@
               </a:ln>
               <a:extLst>
                 <a:ext uri="{91240B29-F687-4f45-9708-019B960494DF}">
-                  <a14:hiddenLine xmlns="" xmlns:a14="http://schemas.microsoft.com/office/drawing/2010/main" w="9525">
+                  <a14:hiddenLine xmlns:a14="http://schemas.microsoft.com/office/drawing/2010/main" xmlns="" w="9525">
                     <a:solidFill>
                       <a:srgbClr val="000000"/>
                     </a:solidFill>
@@ -11607,7 +11610,7 @@
               </a:ln>
               <a:extLst>
                 <a:ext uri="{91240B29-F687-4f45-9708-019B960494DF}">
-                  <a14:hiddenLine xmlns="" xmlns:a14="http://schemas.microsoft.com/office/drawing/2010/main" w="9525">
+                  <a14:hiddenLine xmlns:a14="http://schemas.microsoft.com/office/drawing/2010/main" xmlns="" w="9525">
                     <a:solidFill>
                       <a:srgbClr val="000000"/>
                     </a:solidFill>
@@ -11675,7 +11678,7 @@
               </a:ln>
               <a:extLst>
                 <a:ext uri="{91240B29-F687-4f45-9708-019B960494DF}">
-                  <a14:hiddenLine xmlns="" xmlns:a14="http://schemas.microsoft.com/office/drawing/2010/main" w="9525">
+                  <a14:hiddenLine xmlns:a14="http://schemas.microsoft.com/office/drawing/2010/main" xmlns="" w="9525">
                     <a:solidFill>
                       <a:srgbClr val="000000"/>
                     </a:solidFill>
@@ -11765,7 +11768,7 @@
               </a:ln>
               <a:extLst>
                 <a:ext uri="{91240B29-F687-4f45-9708-019B960494DF}">
-                  <a14:hiddenLine xmlns="" xmlns:a14="http://schemas.microsoft.com/office/drawing/2010/main" w="9525">
+                  <a14:hiddenLine xmlns:a14="http://schemas.microsoft.com/office/drawing/2010/main" xmlns="" w="9525">
                     <a:solidFill>
                       <a:srgbClr val="000000"/>
                     </a:solidFill>
@@ -11799,7 +11802,7 @@
               </a:ln>
               <a:extLst>
                 <a:ext uri="{91240B29-F687-4f45-9708-019B960494DF}">
-                  <a14:hiddenLine xmlns="" xmlns:a14="http://schemas.microsoft.com/office/drawing/2010/main" w="9525">
+                  <a14:hiddenLine xmlns:a14="http://schemas.microsoft.com/office/drawing/2010/main" xmlns="" w="9525">
                     <a:solidFill>
                       <a:srgbClr val="000000"/>
                     </a:solidFill>
@@ -11940,7 +11943,7 @@
             <a:fld id="{48A87A34-81AB-432B-8DAE-1953F412C126}" type="datetimeFigureOut">
               <a:rPr lang="en-US" dirty="0"/>
               <a:pPr/>
-              <a:t>1/5/2022</a:t>
+              <a:t>8/24/2022</a:t>
             </a:fld>
             <a:endParaRPr lang="en-US" dirty="0"/>
           </a:p>
@@ -12751,7 +12754,7 @@
           <a:p>
             <a:r>
               <a:rPr lang="it-IT" dirty="0"/>
-              <a:t>The cia hive component – technical aspects</a:t>
+              <a:t>BEACONS INFRASTRUCTURE</a:t>
             </a:r>
           </a:p>
         </p:txBody>
@@ -12772,7 +12775,12 @@
             <p:ph idx="1"/>
           </p:nvPr>
         </p:nvSpPr>
-        <p:spPr/>
+        <p:spPr>
+          <a:xfrm>
+            <a:off x="1534255" y="2019091"/>
+            <a:ext cx="9120314" cy="2819817"/>
+          </a:xfrm>
+        </p:spPr>
         <p:txBody>
           <a:bodyPr>
             <a:normAutofit/>
@@ -12783,8 +12791,10 @@
               <a:buNone/>
             </a:pPr>
             <a:r>
-              <a:rPr lang="en-US" dirty="0"/>
-              <a:t>Before the initial distribution the Blot must be configured with the Hive id (0x65ae82c7) for proxy connections to the Honeycomb manager, the latter can reside on the same Blot server, but it is recommended to distribute it on a different one. Honeycomb behaves like a normal server which handles incoming beacon connections one-by-one, after the plant is configured by Blot all traffic is redirected directly to Honeycomb which establishes an encrypted session and Blot continues to proxy the encrypted network packets.</a:t>
+              <a:rPr lang="en-US" dirty="0">
+                <a:effectLst/>
+              </a:rPr>
+              <a:t>The encrypted beacons consist of the Swindle Tool ID, system uptime, and MAC address. The beacon parameters cannot be changed dynamically by the hive tool handler. To change the beacon parameters, the implants need to be re-patched with new parameters and re-deployed, or in the case of unpatched implants, they need to be restarted with new command line arguments.</a:t>
             </a:r>
             <a:endParaRPr lang="it-IT" dirty="0"/>
           </a:p>
@@ -12829,10 +12839,45 @@
           </a:effectLst>
         </p:spPr>
       </p:pic>
+      <p:sp>
+        <p:nvSpPr>
+          <p:cNvPr id="6" name="CasellaDiTesto 5">
+            <a:extLst>
+              <a:ext uri="{FF2B5EF4-FFF2-40B4-BE49-F238E27FC236}">
+                <a16:creationId xmlns:a16="http://schemas.microsoft.com/office/drawing/2014/main" id="{A5CDEBA1-DCFA-D141-9A94-74FAA3C5CC28}"/>
+              </a:ext>
+            </a:extLst>
+          </p:cNvPr>
+          <p:cNvSpPr txBox="1"/>
+          <p:nvPr/>
+        </p:nvSpPr>
+        <p:spPr>
+          <a:xfrm>
+            <a:off x="1231233" y="5870150"/>
+            <a:ext cx="6104020" cy="369332"/>
+          </a:xfrm>
+          <a:prstGeom prst="rect">
+            <a:avLst/>
+          </a:prstGeom>
+          <a:noFill/>
+        </p:spPr>
+        <p:txBody>
+          <a:bodyPr wrap="square">
+            <a:spAutoFit/>
+          </a:bodyPr>
+          <a:lstStyle/>
+          <a:p>
+            <a:r>
+              <a:rPr lang="it-IT" dirty="0"/>
+              <a:t>THE CIA HIVE COMPONENT – TECHNICAL ASPECTS</a:t>
+            </a:r>
+          </a:p>
+        </p:txBody>
+      </p:sp>
     </p:spTree>
     <p:extLst>
       <p:ext uri="{BB962C8B-B14F-4D97-AF65-F5344CB8AC3E}">
-        <p14:creationId xmlns:p14="http://schemas.microsoft.com/office/powerpoint/2010/main" val="3434188921"/>
+        <p14:creationId xmlns:p14="http://schemas.microsoft.com/office/powerpoint/2010/main" val="1838467856"/>
       </p:ext>
     </p:extLst>
   </p:cSld>
@@ -12882,7 +12927,7 @@
           <a:p>
             <a:r>
               <a:rPr lang="it-IT" dirty="0"/>
-              <a:t>The cia hive component – technical aspects</a:t>
+              <a:t>BLOT PROXY</a:t>
             </a:r>
           </a:p>
         </p:txBody>
@@ -12903,10 +12948,15 @@
             <p:ph idx="1"/>
           </p:nvPr>
         </p:nvSpPr>
-        <p:spPr/>
+        <p:spPr>
+          <a:xfrm>
+            <a:off x="1594483" y="1864910"/>
+            <a:ext cx="8999857" cy="3128179"/>
+          </a:xfrm>
+        </p:spPr>
         <p:txBody>
           <a:bodyPr>
-            <a:normAutofit/>
+            <a:noAutofit/>
           </a:bodyPr>
           <a:lstStyle/>
           <a:p>
@@ -12915,15 +12965,23 @@
             </a:pPr>
             <a:r>
               <a:rPr lang="en-US" dirty="0"/>
-              <a:t>The Hive project did not make any changes to the binaries or the Blot server, it aims to conform to existing protocols and procedures. In the Blot configuration files the most important parameters are IP, the port for the tool manager such as Honeycomb and the Hive Tool ID. Upon receiving a signal, Honeycomb will analyze MAC address, IP and the time of activity, will then write a .</a:t>
+              <a:t>Hive beacons were designed to work with the Blot proxy. </a:t>
             </a:r>
             <a:r>
               <a:rPr lang="en-US" dirty="0" err="1"/>
-              <a:t>rsi</a:t>
+              <a:t>Beastbox</a:t>
             </a:r>
             <a:r>
               <a:rPr lang="en-US" dirty="0"/>
-              <a:t> file that will be sent unidirectionally for ingestion into the Ripper Snapper. </a:t>
+              <a:t> is the proxy router used in the Blot system. </a:t>
+            </a:r>
+            <a:r>
+              <a:rPr lang="en-US" dirty="0" err="1"/>
+              <a:t>Beastbox</a:t>
+            </a:r>
+            <a:r>
+              <a:rPr lang="en-US" dirty="0"/>
+              <a:t> receives packets from the outside network and presents them to an Implant Traffic Detector (ITD) that is associated with the corresponding transport protocol. Blot looks for a tool ID embedded in the HELLO packet of an SSL session initiation. If the ID is found, then it forwards the packet to the tool-handler, otherwise it is sent to the cover server. </a:t>
             </a:r>
             <a:endParaRPr lang="it-IT" dirty="0"/>
           </a:p>
@@ -12968,10 +13026,45 @@
           </a:effectLst>
         </p:spPr>
       </p:pic>
+      <p:sp>
+        <p:nvSpPr>
+          <p:cNvPr id="6" name="CasellaDiTesto 5">
+            <a:extLst>
+              <a:ext uri="{FF2B5EF4-FFF2-40B4-BE49-F238E27FC236}">
+                <a16:creationId xmlns:a16="http://schemas.microsoft.com/office/drawing/2014/main" id="{A5CDEBA1-DCFA-D141-9A94-74FAA3C5CC28}"/>
+              </a:ext>
+            </a:extLst>
+          </p:cNvPr>
+          <p:cNvSpPr txBox="1"/>
+          <p:nvPr/>
+        </p:nvSpPr>
+        <p:spPr>
+          <a:xfrm>
+            <a:off x="1231233" y="5870150"/>
+            <a:ext cx="6104020" cy="369332"/>
+          </a:xfrm>
+          <a:prstGeom prst="rect">
+            <a:avLst/>
+          </a:prstGeom>
+          <a:noFill/>
+        </p:spPr>
+        <p:txBody>
+          <a:bodyPr wrap="square">
+            <a:spAutoFit/>
+          </a:bodyPr>
+          <a:lstStyle/>
+          <a:p>
+            <a:r>
+              <a:rPr lang="it-IT" dirty="0"/>
+              <a:t>THE CIA HIVE COMPONENT – TECHNICAL ASPECTS</a:t>
+            </a:r>
+          </a:p>
+        </p:txBody>
+      </p:sp>
     </p:spTree>
     <p:extLst>
       <p:ext uri="{BB962C8B-B14F-4D97-AF65-F5344CB8AC3E}">
-        <p14:creationId xmlns:p14="http://schemas.microsoft.com/office/powerpoint/2010/main" val="2613065677"/>
+        <p14:creationId xmlns:p14="http://schemas.microsoft.com/office/powerpoint/2010/main" val="144248965"/>
       </p:ext>
     </p:extLst>
   </p:cSld>
@@ -13021,7 +13114,7 @@
           <a:p>
             <a:r>
               <a:rPr lang="it-IT" dirty="0"/>
-              <a:t>The cia hive component – technical aspects</a:t>
+              <a:t>BLOT PROXY</a:t>
             </a:r>
           </a:p>
         </p:txBody>
@@ -13042,7 +13135,12 @@
             <p:ph idx="1"/>
           </p:nvPr>
         </p:nvSpPr>
-        <p:spPr/>
+        <p:spPr>
+          <a:xfrm>
+            <a:off x="1467476" y="2019091"/>
+            <a:ext cx="9253872" cy="2819817"/>
+          </a:xfrm>
+        </p:spPr>
         <p:txBody>
           <a:bodyPr>
             <a:normAutofit/>
@@ -13054,7 +13152,7 @@
             </a:pPr>
             <a:r>
               <a:rPr lang="en-US" dirty="0"/>
-              <a:t>Hive v2.0 functionality has been added to Honeycomb to keep a basic log of beacons received. Each beacon will have a log entry created that contains a timestamp of when the beacon was received, the MAC address, the public IP address, and the version of the plant that received the beacon. Also, for Hive v2.0 and later beacons, there will be a flag related to the operating system from which the beacon comes. </a:t>
+              <a:t>The data contained within this packet is constant except for a time stamp taken from the real-time clock and a few bytes of random data. A CRC checksum is computed from the entire packet and is included with the HELLO packet. When Blot receives this packet, it checks the CRC searches a list of previously seen packets for any matches. If a match is found the packet is assumed to be a TCP replay and is dropped. </a:t>
             </a:r>
             <a:endParaRPr lang="it-IT" dirty="0"/>
           </a:p>
@@ -13099,10 +13197,45 @@
           </a:effectLst>
         </p:spPr>
       </p:pic>
+      <p:sp>
+        <p:nvSpPr>
+          <p:cNvPr id="6" name="CasellaDiTesto 5">
+            <a:extLst>
+              <a:ext uri="{FF2B5EF4-FFF2-40B4-BE49-F238E27FC236}">
+                <a16:creationId xmlns:a16="http://schemas.microsoft.com/office/drawing/2014/main" id="{A5CDEBA1-DCFA-D141-9A94-74FAA3C5CC28}"/>
+              </a:ext>
+            </a:extLst>
+          </p:cNvPr>
+          <p:cNvSpPr txBox="1"/>
+          <p:nvPr/>
+        </p:nvSpPr>
+        <p:spPr>
+          <a:xfrm>
+            <a:off x="1231233" y="5870150"/>
+            <a:ext cx="6104020" cy="369332"/>
+          </a:xfrm>
+          <a:prstGeom prst="rect">
+            <a:avLst/>
+          </a:prstGeom>
+          <a:noFill/>
+        </p:spPr>
+        <p:txBody>
+          <a:bodyPr wrap="square">
+            <a:spAutoFit/>
+          </a:bodyPr>
+          <a:lstStyle/>
+          <a:p>
+            <a:r>
+              <a:rPr lang="it-IT" dirty="0"/>
+              <a:t>THE CIA HIVE COMPONENT – TECHNICAL ASPECTS</a:t>
+            </a:r>
+          </a:p>
+        </p:txBody>
+      </p:sp>
     </p:spTree>
     <p:extLst>
       <p:ext uri="{BB962C8B-B14F-4D97-AF65-F5344CB8AC3E}">
-        <p14:creationId xmlns:p14="http://schemas.microsoft.com/office/powerpoint/2010/main" val="4237532704"/>
+        <p14:creationId xmlns:p14="http://schemas.microsoft.com/office/powerpoint/2010/main" val="3997297232"/>
       </p:ext>
     </p:extLst>
   </p:cSld>
@@ -13113,6 +13246,515 @@
 </file>
 
 <file path=ppt/slides/slide13.xml><?xml version="1.0" encoding="utf-8"?>
+<p:sld xmlns:a="http://schemas.openxmlformats.org/drawingml/2006/main" xmlns:r="http://schemas.openxmlformats.org/officeDocument/2006/relationships" xmlns:p="http://schemas.openxmlformats.org/presentationml/2006/main">
+  <p:cSld>
+    <p:spTree>
+      <p:nvGrpSpPr>
+        <p:cNvPr id="1" name=""/>
+        <p:cNvGrpSpPr/>
+        <p:nvPr/>
+      </p:nvGrpSpPr>
+      <p:grpSpPr>
+        <a:xfrm>
+          <a:off x="0" y="0"/>
+          <a:ext cx="0" cy="0"/>
+          <a:chOff x="0" y="0"/>
+          <a:chExt cx="0" cy="0"/>
+        </a:xfrm>
+      </p:grpSpPr>
+      <p:sp>
+        <p:nvSpPr>
+          <p:cNvPr id="2" name="Titolo 1">
+            <a:extLst>
+              <a:ext uri="{FF2B5EF4-FFF2-40B4-BE49-F238E27FC236}">
+                <a16:creationId xmlns:a16="http://schemas.microsoft.com/office/drawing/2014/main" id="{804D3B27-1186-4AD7-990D-F51581C06052}"/>
+              </a:ext>
+            </a:extLst>
+          </p:cNvPr>
+          <p:cNvSpPr>
+            <a:spLocks noGrp="1"/>
+          </p:cNvSpPr>
+          <p:nvPr>
+            <p:ph type="title"/>
+          </p:nvPr>
+        </p:nvSpPr>
+        <p:spPr/>
+        <p:txBody>
+          <a:bodyPr/>
+          <a:lstStyle/>
+          <a:p>
+            <a:r>
+              <a:rPr lang="it-IT" dirty="0"/>
+              <a:t>BLOT PROXY</a:t>
+            </a:r>
+          </a:p>
+        </p:txBody>
+      </p:sp>
+      <p:sp>
+        <p:nvSpPr>
+          <p:cNvPr id="3" name="Segnaposto contenuto 2">
+            <a:extLst>
+              <a:ext uri="{FF2B5EF4-FFF2-40B4-BE49-F238E27FC236}">
+                <a16:creationId xmlns:a16="http://schemas.microsoft.com/office/drawing/2014/main" id="{93CF695A-25F0-4FB9-B8D4-F0AFC5898511}"/>
+              </a:ext>
+            </a:extLst>
+          </p:cNvPr>
+          <p:cNvSpPr>
+            <a:spLocks noGrp="1"/>
+          </p:cNvSpPr>
+          <p:nvPr>
+            <p:ph idx="1"/>
+          </p:nvPr>
+        </p:nvSpPr>
+        <p:spPr>
+          <a:xfrm>
+            <a:off x="1661886" y="2195554"/>
+            <a:ext cx="8865051" cy="2466892"/>
+          </a:xfrm>
+        </p:spPr>
+        <p:txBody>
+          <a:bodyPr>
+            <a:noAutofit/>
+          </a:bodyPr>
+          <a:lstStyle/>
+          <a:p>
+            <a:pPr marL="0" indent="0">
+              <a:buNone/>
+            </a:pPr>
+            <a:r>
+              <a:rPr lang="en-US" dirty="0"/>
+              <a:t>Beacon routers are connected to the Switchblade proxy through VPN tunnels to provide security and privacy. Each beacon router/domain has its own dedicated interface and address on the Switchblade. A beacon arriving at a beacon router is routed to the Switchblade which authenticates the implant client’s certificate. </a:t>
+            </a:r>
+            <a:endParaRPr lang="it-IT" dirty="0"/>
+          </a:p>
+        </p:txBody>
+      </p:sp>
+      <p:pic>
+        <p:nvPicPr>
+          <p:cNvPr id="4" name="Immagine 3">
+            <a:extLst>
+              <a:ext uri="{FF2B5EF4-FFF2-40B4-BE49-F238E27FC236}">
+                <a16:creationId xmlns:a16="http://schemas.microsoft.com/office/drawing/2014/main" id="{123205E6-BAF4-4EB2-959F-CD0EC2F93646}"/>
+              </a:ext>
+            </a:extLst>
+          </p:cNvPr>
+          <p:cNvPicPr>
+            <a:picLocks noChangeAspect="1"/>
+          </p:cNvPicPr>
+          <p:nvPr/>
+        </p:nvPicPr>
+        <p:blipFill rotWithShape="1">
+          <a:blip r:embed="rId2"/>
+          <a:srcRect l="677" r="-1" b="-1"/>
+          <a:stretch/>
+        </p:blipFill>
+        <p:spPr>
+          <a:xfrm>
+            <a:off x="11047411" y="5791201"/>
+            <a:ext cx="851078" cy="856877"/>
+          </a:xfrm>
+          <a:prstGeom prst="rect">
+            <a:avLst/>
+          </a:prstGeom>
+          <a:ln>
+            <a:noFill/>
+          </a:ln>
+          <a:effectLst>
+            <a:outerShdw blurRad="190500" algn="tl" rotWithShape="0">
+              <a:srgbClr val="000000">
+                <a:alpha val="70000"/>
+              </a:srgbClr>
+            </a:outerShdw>
+          </a:effectLst>
+        </p:spPr>
+      </p:pic>
+      <p:sp>
+        <p:nvSpPr>
+          <p:cNvPr id="6" name="CasellaDiTesto 5">
+            <a:extLst>
+              <a:ext uri="{FF2B5EF4-FFF2-40B4-BE49-F238E27FC236}">
+                <a16:creationId xmlns:a16="http://schemas.microsoft.com/office/drawing/2014/main" id="{A5CDEBA1-DCFA-D141-9A94-74FAA3C5CC28}"/>
+              </a:ext>
+            </a:extLst>
+          </p:cNvPr>
+          <p:cNvSpPr txBox="1"/>
+          <p:nvPr/>
+        </p:nvSpPr>
+        <p:spPr>
+          <a:xfrm>
+            <a:off x="1231233" y="5870150"/>
+            <a:ext cx="6104020" cy="369332"/>
+          </a:xfrm>
+          <a:prstGeom prst="rect">
+            <a:avLst/>
+          </a:prstGeom>
+          <a:noFill/>
+        </p:spPr>
+        <p:txBody>
+          <a:bodyPr wrap="square">
+            <a:spAutoFit/>
+          </a:bodyPr>
+          <a:lstStyle/>
+          <a:p>
+            <a:r>
+              <a:rPr lang="it-IT" dirty="0"/>
+              <a:t>THE CIA HIVE COMPONENT – TECHNICAL ASPECTS</a:t>
+            </a:r>
+          </a:p>
+        </p:txBody>
+      </p:sp>
+    </p:spTree>
+    <p:extLst>
+      <p:ext uri="{BB962C8B-B14F-4D97-AF65-F5344CB8AC3E}">
+        <p14:creationId xmlns:p14="http://schemas.microsoft.com/office/powerpoint/2010/main" val="1960947510"/>
+      </p:ext>
+    </p:extLst>
+  </p:cSld>
+  <p:clrMapOvr>
+    <a:masterClrMapping/>
+  </p:clrMapOvr>
+</p:sld>
+</file>
+
+<file path=ppt/slides/slide14.xml><?xml version="1.0" encoding="utf-8"?>
+<p:sld xmlns:a="http://schemas.openxmlformats.org/drawingml/2006/main" xmlns:r="http://schemas.openxmlformats.org/officeDocument/2006/relationships" xmlns:p="http://schemas.openxmlformats.org/presentationml/2006/main">
+  <p:cSld>
+    <p:spTree>
+      <p:nvGrpSpPr>
+        <p:cNvPr id="1" name=""/>
+        <p:cNvGrpSpPr/>
+        <p:nvPr/>
+      </p:nvGrpSpPr>
+      <p:grpSpPr>
+        <a:xfrm>
+          <a:off x="0" y="0"/>
+          <a:ext cx="0" cy="0"/>
+          <a:chOff x="0" y="0"/>
+          <a:chExt cx="0" cy="0"/>
+        </a:xfrm>
+      </p:grpSpPr>
+      <p:sp>
+        <p:nvSpPr>
+          <p:cNvPr id="2" name="Titolo 1">
+            <a:extLst>
+              <a:ext uri="{FF2B5EF4-FFF2-40B4-BE49-F238E27FC236}">
+                <a16:creationId xmlns:a16="http://schemas.microsoft.com/office/drawing/2014/main" id="{804D3B27-1186-4AD7-990D-F51581C06052}"/>
+              </a:ext>
+            </a:extLst>
+          </p:cNvPr>
+          <p:cNvSpPr>
+            <a:spLocks noGrp="1"/>
+          </p:cNvSpPr>
+          <p:nvPr>
+            <p:ph type="title"/>
+          </p:nvPr>
+        </p:nvSpPr>
+        <p:spPr/>
+        <p:txBody>
+          <a:bodyPr/>
+          <a:lstStyle/>
+          <a:p>
+            <a:r>
+              <a:rPr lang="it-IT" dirty="0"/>
+              <a:t>BLOT PROXY</a:t>
+            </a:r>
+          </a:p>
+        </p:txBody>
+      </p:sp>
+      <p:sp>
+        <p:nvSpPr>
+          <p:cNvPr id="3" name="Segnaposto contenuto 2">
+            <a:extLst>
+              <a:ext uri="{FF2B5EF4-FFF2-40B4-BE49-F238E27FC236}">
+                <a16:creationId xmlns:a16="http://schemas.microsoft.com/office/drawing/2014/main" id="{93CF695A-25F0-4FB9-B8D4-F0AFC5898511}"/>
+              </a:ext>
+            </a:extLst>
+          </p:cNvPr>
+          <p:cNvSpPr>
+            <a:spLocks noGrp="1"/>
+          </p:cNvSpPr>
+          <p:nvPr>
+            <p:ph idx="1"/>
+          </p:nvPr>
+        </p:nvSpPr>
+        <p:spPr>
+          <a:xfrm>
+            <a:off x="1847264" y="2056982"/>
+            <a:ext cx="8494295" cy="2744036"/>
+          </a:xfrm>
+        </p:spPr>
+        <p:txBody>
+          <a:bodyPr>
+            <a:noAutofit/>
+          </a:bodyPr>
+          <a:lstStyle/>
+          <a:p>
+            <a:pPr marL="0" indent="0">
+              <a:buNone/>
+            </a:pPr>
+            <a:r>
+              <a:rPr lang="en-US" dirty="0"/>
+              <a:t>Authenticated beacon packets are then routed on to the Honeycomb tool-handler; all others are routed to a cover server corresponding to the domain of the beacon router. The configuration of Switchblade and its peer components allows the egress source address of beacon to be maintained through to the tool-handler or cover server for logging purposes.</a:t>
+            </a:r>
+            <a:endParaRPr lang="it-IT" dirty="0"/>
+          </a:p>
+        </p:txBody>
+      </p:sp>
+      <p:pic>
+        <p:nvPicPr>
+          <p:cNvPr id="4" name="Immagine 3">
+            <a:extLst>
+              <a:ext uri="{FF2B5EF4-FFF2-40B4-BE49-F238E27FC236}">
+                <a16:creationId xmlns:a16="http://schemas.microsoft.com/office/drawing/2014/main" id="{123205E6-BAF4-4EB2-959F-CD0EC2F93646}"/>
+              </a:ext>
+            </a:extLst>
+          </p:cNvPr>
+          <p:cNvPicPr>
+            <a:picLocks noChangeAspect="1"/>
+          </p:cNvPicPr>
+          <p:nvPr/>
+        </p:nvPicPr>
+        <p:blipFill rotWithShape="1">
+          <a:blip r:embed="rId2"/>
+          <a:srcRect l="677" r="-1" b="-1"/>
+          <a:stretch/>
+        </p:blipFill>
+        <p:spPr>
+          <a:xfrm>
+            <a:off x="11047411" y="5791201"/>
+            <a:ext cx="851078" cy="856877"/>
+          </a:xfrm>
+          <a:prstGeom prst="rect">
+            <a:avLst/>
+          </a:prstGeom>
+          <a:ln>
+            <a:noFill/>
+          </a:ln>
+          <a:effectLst>
+            <a:outerShdw blurRad="190500" algn="tl" rotWithShape="0">
+              <a:srgbClr val="000000">
+                <a:alpha val="70000"/>
+              </a:srgbClr>
+            </a:outerShdw>
+          </a:effectLst>
+        </p:spPr>
+      </p:pic>
+      <p:sp>
+        <p:nvSpPr>
+          <p:cNvPr id="6" name="CasellaDiTesto 5">
+            <a:extLst>
+              <a:ext uri="{FF2B5EF4-FFF2-40B4-BE49-F238E27FC236}">
+                <a16:creationId xmlns:a16="http://schemas.microsoft.com/office/drawing/2014/main" id="{A5CDEBA1-DCFA-D141-9A94-74FAA3C5CC28}"/>
+              </a:ext>
+            </a:extLst>
+          </p:cNvPr>
+          <p:cNvSpPr txBox="1"/>
+          <p:nvPr/>
+        </p:nvSpPr>
+        <p:spPr>
+          <a:xfrm>
+            <a:off x="1231233" y="5870150"/>
+            <a:ext cx="6104020" cy="369332"/>
+          </a:xfrm>
+          <a:prstGeom prst="rect">
+            <a:avLst/>
+          </a:prstGeom>
+          <a:noFill/>
+        </p:spPr>
+        <p:txBody>
+          <a:bodyPr wrap="square">
+            <a:spAutoFit/>
+          </a:bodyPr>
+          <a:lstStyle/>
+          <a:p>
+            <a:r>
+              <a:rPr lang="it-IT" dirty="0"/>
+              <a:t>THE CIA HIVE COMPONENT – TECHNICAL ASPECTS</a:t>
+            </a:r>
+          </a:p>
+        </p:txBody>
+      </p:sp>
+    </p:spTree>
+    <p:extLst>
+      <p:ext uri="{BB962C8B-B14F-4D97-AF65-F5344CB8AC3E}">
+        <p14:creationId xmlns:p14="http://schemas.microsoft.com/office/powerpoint/2010/main" val="2098546827"/>
+      </p:ext>
+    </p:extLst>
+  </p:cSld>
+  <p:clrMapOvr>
+    <a:masterClrMapping/>
+  </p:clrMapOvr>
+</p:sld>
+</file>
+
+<file path=ppt/slides/slide15.xml><?xml version="1.0" encoding="utf-8"?>
+<p:sld xmlns:a="http://schemas.openxmlformats.org/drawingml/2006/main" xmlns:r="http://schemas.openxmlformats.org/officeDocument/2006/relationships" xmlns:p="http://schemas.openxmlformats.org/presentationml/2006/main">
+  <p:cSld>
+    <p:spTree>
+      <p:nvGrpSpPr>
+        <p:cNvPr id="1" name=""/>
+        <p:cNvGrpSpPr/>
+        <p:nvPr/>
+      </p:nvGrpSpPr>
+      <p:grpSpPr>
+        <a:xfrm>
+          <a:off x="0" y="0"/>
+          <a:ext cx="0" cy="0"/>
+          <a:chOff x="0" y="0"/>
+          <a:chExt cx="0" cy="0"/>
+        </a:xfrm>
+      </p:grpSpPr>
+      <p:sp>
+        <p:nvSpPr>
+          <p:cNvPr id="2" name="Titolo 1">
+            <a:extLst>
+              <a:ext uri="{FF2B5EF4-FFF2-40B4-BE49-F238E27FC236}">
+                <a16:creationId xmlns:a16="http://schemas.microsoft.com/office/drawing/2014/main" id="{804D3B27-1186-4AD7-990D-F51581C06052}"/>
+              </a:ext>
+            </a:extLst>
+          </p:cNvPr>
+          <p:cNvSpPr>
+            <a:spLocks noGrp="1"/>
+          </p:cNvSpPr>
+          <p:nvPr>
+            <p:ph type="title"/>
+          </p:nvPr>
+        </p:nvSpPr>
+        <p:spPr/>
+        <p:txBody>
+          <a:bodyPr/>
+          <a:lstStyle/>
+          <a:p>
+            <a:r>
+              <a:rPr lang="it-IT" dirty="0"/>
+              <a:t>COVER SERVER</a:t>
+            </a:r>
+          </a:p>
+        </p:txBody>
+      </p:sp>
+      <p:sp>
+        <p:nvSpPr>
+          <p:cNvPr id="3" name="Segnaposto contenuto 2">
+            <a:extLst>
+              <a:ext uri="{FF2B5EF4-FFF2-40B4-BE49-F238E27FC236}">
+                <a16:creationId xmlns:a16="http://schemas.microsoft.com/office/drawing/2014/main" id="{93CF695A-25F0-4FB9-B8D4-F0AFC5898511}"/>
+              </a:ext>
+            </a:extLst>
+          </p:cNvPr>
+          <p:cNvSpPr>
+            <a:spLocks noGrp="1"/>
+          </p:cNvSpPr>
+          <p:nvPr>
+            <p:ph idx="1"/>
+          </p:nvPr>
+        </p:nvSpPr>
+        <p:spPr>
+          <a:xfrm>
+            <a:off x="1499937" y="2024898"/>
+            <a:ext cx="8494295" cy="3220870"/>
+          </a:xfrm>
+        </p:spPr>
+        <p:txBody>
+          <a:bodyPr>
+            <a:noAutofit/>
+          </a:bodyPr>
+          <a:lstStyle/>
+          <a:p>
+            <a:pPr marL="0" indent="0">
+              <a:buNone/>
+            </a:pPr>
+            <a:endParaRPr lang="it-IT" dirty="0"/>
+          </a:p>
+        </p:txBody>
+      </p:sp>
+      <p:pic>
+        <p:nvPicPr>
+          <p:cNvPr id="4" name="Immagine 3">
+            <a:extLst>
+              <a:ext uri="{FF2B5EF4-FFF2-40B4-BE49-F238E27FC236}">
+                <a16:creationId xmlns:a16="http://schemas.microsoft.com/office/drawing/2014/main" id="{123205E6-BAF4-4EB2-959F-CD0EC2F93646}"/>
+              </a:ext>
+            </a:extLst>
+          </p:cNvPr>
+          <p:cNvPicPr>
+            <a:picLocks noChangeAspect="1"/>
+          </p:cNvPicPr>
+          <p:nvPr/>
+        </p:nvPicPr>
+        <p:blipFill rotWithShape="1">
+          <a:blip r:embed="rId2"/>
+          <a:srcRect l="677" r="-1" b="-1"/>
+          <a:stretch/>
+        </p:blipFill>
+        <p:spPr>
+          <a:xfrm>
+            <a:off x="11047411" y="5791201"/>
+            <a:ext cx="851078" cy="856877"/>
+          </a:xfrm>
+          <a:prstGeom prst="rect">
+            <a:avLst/>
+          </a:prstGeom>
+          <a:ln>
+            <a:noFill/>
+          </a:ln>
+          <a:effectLst>
+            <a:outerShdw blurRad="190500" algn="tl" rotWithShape="0">
+              <a:srgbClr val="000000">
+                <a:alpha val="70000"/>
+              </a:srgbClr>
+            </a:outerShdw>
+          </a:effectLst>
+        </p:spPr>
+      </p:pic>
+      <p:sp>
+        <p:nvSpPr>
+          <p:cNvPr id="6" name="CasellaDiTesto 5">
+            <a:extLst>
+              <a:ext uri="{FF2B5EF4-FFF2-40B4-BE49-F238E27FC236}">
+                <a16:creationId xmlns:a16="http://schemas.microsoft.com/office/drawing/2014/main" id="{A5CDEBA1-DCFA-D141-9A94-74FAA3C5CC28}"/>
+              </a:ext>
+            </a:extLst>
+          </p:cNvPr>
+          <p:cNvSpPr txBox="1"/>
+          <p:nvPr/>
+        </p:nvSpPr>
+        <p:spPr>
+          <a:xfrm>
+            <a:off x="1231233" y="5870150"/>
+            <a:ext cx="6104020" cy="369332"/>
+          </a:xfrm>
+          <a:prstGeom prst="rect">
+            <a:avLst/>
+          </a:prstGeom>
+          <a:noFill/>
+        </p:spPr>
+        <p:txBody>
+          <a:bodyPr wrap="square">
+            <a:spAutoFit/>
+          </a:bodyPr>
+          <a:lstStyle/>
+          <a:p>
+            <a:r>
+              <a:rPr lang="it-IT" dirty="0"/>
+              <a:t>THE CIA HIVE COMPONENT – TECHNICAL ASPECTS</a:t>
+            </a:r>
+          </a:p>
+        </p:txBody>
+      </p:sp>
+    </p:spTree>
+    <p:extLst>
+      <p:ext uri="{BB962C8B-B14F-4D97-AF65-F5344CB8AC3E}">
+        <p14:creationId xmlns:p14="http://schemas.microsoft.com/office/powerpoint/2010/main" val="2595052312"/>
+      </p:ext>
+    </p:extLst>
+  </p:cSld>
+  <p:clrMapOvr>
+    <a:masterClrMapping/>
+  </p:clrMapOvr>
+</p:sld>
+</file>
+
+<file path=ppt/slides/slide16.xml><?xml version="1.0" encoding="utf-8"?>
 <p:sld xmlns:a="http://schemas.openxmlformats.org/drawingml/2006/main" xmlns:r="http://schemas.openxmlformats.org/officeDocument/2006/relationships" xmlns:p="http://schemas.openxmlformats.org/presentationml/2006/main">
   <p:cSld>
     <p:bg>
@@ -13400,7 +14042,12 @@
             <p:ph idx="1"/>
           </p:nvPr>
         </p:nvSpPr>
-        <p:spPr/>
+        <p:spPr>
+          <a:xfrm>
+            <a:off x="1722333" y="2249487"/>
+            <a:ext cx="8744158" cy="3541714"/>
+          </a:xfrm>
+        </p:spPr>
         <p:txBody>
           <a:bodyPr/>
           <a:lstStyle/>
@@ -13529,10 +14176,15 @@
             <p:ph idx="1"/>
           </p:nvPr>
         </p:nvSpPr>
-        <p:spPr/>
+        <p:spPr>
+          <a:xfrm>
+            <a:off x="1780297" y="2249487"/>
+            <a:ext cx="8628230" cy="3541714"/>
+          </a:xfrm>
+        </p:spPr>
         <p:txBody>
           <a:bodyPr>
-            <a:normAutofit/>
+            <a:normAutofit lnSpcReduction="10000"/>
           </a:bodyPr>
           <a:lstStyle/>
           <a:p>
@@ -13660,7 +14312,12 @@
             <p:ph idx="1"/>
           </p:nvPr>
         </p:nvSpPr>
-        <p:spPr/>
+        <p:spPr>
+          <a:xfrm>
+            <a:off x="1634101" y="2249487"/>
+            <a:ext cx="8920621" cy="3541714"/>
+          </a:xfrm>
+        </p:spPr>
         <p:txBody>
           <a:bodyPr>
             <a:normAutofit/>
@@ -13823,7 +14480,12 @@
             <p:ph idx="1"/>
           </p:nvPr>
         </p:nvSpPr>
-        <p:spPr/>
+        <p:spPr>
+          <a:xfrm>
+            <a:off x="1563728" y="2249487"/>
+            <a:ext cx="9061368" cy="3541714"/>
+          </a:xfrm>
+        </p:spPr>
         <p:txBody>
           <a:bodyPr>
             <a:normAutofit/>
@@ -13946,6 +14608,144 @@
           </a:p>
         </p:txBody>
       </p:sp>
+      <p:sp>
+        <p:nvSpPr>
+          <p:cNvPr id="3" name="Segnaposto contenuto 2">
+            <a:extLst>
+              <a:ext uri="{FF2B5EF4-FFF2-40B4-BE49-F238E27FC236}">
+                <a16:creationId xmlns:a16="http://schemas.microsoft.com/office/drawing/2014/main" id="{93CF695A-25F0-4FB9-B8D4-F0AFC5898511}"/>
+              </a:ext>
+            </a:extLst>
+          </p:cNvPr>
+          <p:cNvSpPr>
+            <a:spLocks noGrp="1"/>
+          </p:cNvSpPr>
+          <p:nvPr>
+            <p:ph idx="1"/>
+          </p:nvPr>
+        </p:nvSpPr>
+        <p:spPr>
+          <a:xfrm>
+            <a:off x="1564105" y="2189811"/>
+            <a:ext cx="8969959" cy="3108576"/>
+          </a:xfrm>
+        </p:spPr>
+        <p:txBody>
+          <a:bodyPr>
+            <a:noAutofit/>
+          </a:bodyPr>
+          <a:lstStyle/>
+          <a:p>
+            <a:pPr marL="0" indent="0">
+              <a:buNone/>
+            </a:pPr>
+            <a:r>
+              <a:rPr lang="en-US" dirty="0">
+                <a:effectLst/>
+              </a:rPr>
+              <a:t>The Hive implant communicates with the operator over an SSL-secured tunnel. After the implant is triggered, it calls back to the Swindle/Blot (LP) and receives a server certificate and a certificate authority (CA) certificate which it validates. Once the SSL tunnel is established, the client and the implant perform a Diffie-Hellman key exchange to establish a shared secret key. This key is used to create a second layer of encryption using the AES algorithm.</a:t>
+            </a:r>
+            <a:endParaRPr lang="it-IT" dirty="0"/>
+          </a:p>
+        </p:txBody>
+      </p:sp>
+      <p:pic>
+        <p:nvPicPr>
+          <p:cNvPr id="4" name="Immagine 3">
+            <a:extLst>
+              <a:ext uri="{FF2B5EF4-FFF2-40B4-BE49-F238E27FC236}">
+                <a16:creationId xmlns:a16="http://schemas.microsoft.com/office/drawing/2014/main" id="{123205E6-BAF4-4EB2-959F-CD0EC2F93646}"/>
+              </a:ext>
+            </a:extLst>
+          </p:cNvPr>
+          <p:cNvPicPr>
+            <a:picLocks noChangeAspect="1"/>
+          </p:cNvPicPr>
+          <p:nvPr/>
+        </p:nvPicPr>
+        <p:blipFill rotWithShape="1">
+          <a:blip r:embed="rId2"/>
+          <a:srcRect l="677" r="-1" b="-1"/>
+          <a:stretch/>
+        </p:blipFill>
+        <p:spPr>
+          <a:xfrm>
+            <a:off x="11047411" y="5791201"/>
+            <a:ext cx="851078" cy="856877"/>
+          </a:xfrm>
+          <a:prstGeom prst="rect">
+            <a:avLst/>
+          </a:prstGeom>
+          <a:ln>
+            <a:noFill/>
+          </a:ln>
+          <a:effectLst>
+            <a:outerShdw blurRad="190500" algn="tl" rotWithShape="0">
+              <a:srgbClr val="000000">
+                <a:alpha val="70000"/>
+              </a:srgbClr>
+            </a:outerShdw>
+          </a:effectLst>
+        </p:spPr>
+      </p:pic>
+    </p:spTree>
+    <p:extLst>
+      <p:ext uri="{BB962C8B-B14F-4D97-AF65-F5344CB8AC3E}">
+        <p14:creationId xmlns:p14="http://schemas.microsoft.com/office/powerpoint/2010/main" val="3885759147"/>
+      </p:ext>
+    </p:extLst>
+  </p:cSld>
+  <p:clrMapOvr>
+    <a:masterClrMapping/>
+  </p:clrMapOvr>
+</p:sld>
+</file>
+
+<file path=ppt/slides/slide7.xml><?xml version="1.0" encoding="utf-8"?>
+<p:sld xmlns:a="http://schemas.openxmlformats.org/drawingml/2006/main" xmlns:r="http://schemas.openxmlformats.org/officeDocument/2006/relationships" xmlns:p="http://schemas.openxmlformats.org/presentationml/2006/main">
+  <p:cSld>
+    <p:spTree>
+      <p:nvGrpSpPr>
+        <p:cNvPr id="1" name=""/>
+        <p:cNvGrpSpPr/>
+        <p:nvPr/>
+      </p:nvGrpSpPr>
+      <p:grpSpPr>
+        <a:xfrm>
+          <a:off x="0" y="0"/>
+          <a:ext cx="0" cy="0"/>
+          <a:chOff x="0" y="0"/>
+          <a:chExt cx="0" cy="0"/>
+        </a:xfrm>
+      </p:grpSpPr>
+      <p:sp>
+        <p:nvSpPr>
+          <p:cNvPr id="2" name="Titolo 1">
+            <a:extLst>
+              <a:ext uri="{FF2B5EF4-FFF2-40B4-BE49-F238E27FC236}">
+                <a16:creationId xmlns:a16="http://schemas.microsoft.com/office/drawing/2014/main" id="{804D3B27-1186-4AD7-990D-F51581C06052}"/>
+              </a:ext>
+            </a:extLst>
+          </p:cNvPr>
+          <p:cNvSpPr>
+            <a:spLocks noGrp="1"/>
+          </p:cNvSpPr>
+          <p:nvPr>
+            <p:ph type="title"/>
+          </p:nvPr>
+        </p:nvSpPr>
+        <p:spPr/>
+        <p:txBody>
+          <a:bodyPr/>
+          <a:lstStyle/>
+          <a:p>
+            <a:r>
+              <a:rPr lang="it-IT" dirty="0"/>
+              <a:t>The cia hive component</a:t>
+            </a:r>
+          </a:p>
+        </p:txBody>
+      </p:sp>
       <p:pic>
         <p:nvPicPr>
           <p:cNvPr id="4" name="Immagine 3">
@@ -14003,72 +14803,16 @@
         </p:nvPicPr>
         <p:blipFill>
           <a:blip r:embed="rId3"/>
-          <a:stretch>
-            <a:fillRect/>
-          </a:stretch>
+          <a:srcRect/>
+          <a:stretch/>
         </p:blipFill>
         <p:spPr>
           <a:xfrm>
-            <a:off x="3537310" y="1879837"/>
-            <a:ext cx="5114203" cy="3541712"/>
+            <a:off x="1981131" y="1755276"/>
+            <a:ext cx="8226561" cy="3961324"/>
           </a:xfrm>
         </p:spPr>
       </p:pic>
-      <p:sp>
-        <p:nvSpPr>
-          <p:cNvPr id="15" name="CasellaDiTesto 14">
-            <a:extLst>
-              <a:ext uri="{FF2B5EF4-FFF2-40B4-BE49-F238E27FC236}">
-                <a16:creationId xmlns:a16="http://schemas.microsoft.com/office/drawing/2014/main" id="{D5085D41-EE7F-4234-ABFB-A1A9D29435BC}"/>
-              </a:ext>
-            </a:extLst>
-          </p:cNvPr>
-          <p:cNvSpPr txBox="1"/>
-          <p:nvPr/>
-        </p:nvSpPr>
-        <p:spPr>
-          <a:xfrm>
-            <a:off x="3537310" y="5483424"/>
-            <a:ext cx="3250115" cy="307777"/>
-          </a:xfrm>
-          <a:prstGeom prst="rect">
-            <a:avLst/>
-          </a:prstGeom>
-          <a:noFill/>
-        </p:spPr>
-        <p:txBody>
-          <a:bodyPr wrap="square" rtlCol="0">
-            <a:spAutoFit/>
-          </a:bodyPr>
-          <a:lstStyle/>
-          <a:p>
-            <a:r>
-              <a:rPr lang="it-IT" sz="1400" dirty="0"/>
-              <a:t>source: </a:t>
-            </a:r>
-            <a:r>
-              <a:rPr lang="it-IT" sz="1400" dirty="0">
-                <a:solidFill>
-                  <a:srgbClr val="99CCFF"/>
-                </a:solidFill>
-                <a:hlinkClick r:id="rId4">
-                  <a:extLst>
-                    <a:ext uri="{A12FA001-AC4F-418D-AE19-62706E023703}">
-                      <ahyp:hlinkClr xmlns:ahyp="http://schemas.microsoft.com/office/drawing/2018/hyperlinkcolor" val="tx"/>
-                    </a:ext>
-                  </a:extLst>
-                </a:hlinkClick>
-              </a:rPr>
-              <a:t>https://wikileaks.org/vault8/#Hive</a:t>
-            </a:r>
-            <a:endParaRPr lang="it-IT" sz="1400" dirty="0">
-              <a:solidFill>
-                <a:srgbClr val="99CCFF"/>
-              </a:solidFill>
-            </a:endParaRPr>
-          </a:p>
-        </p:txBody>
-      </p:sp>
     </p:spTree>
     <p:extLst>
       <p:ext uri="{BB962C8B-B14F-4D97-AF65-F5344CB8AC3E}">
@@ -14082,7 +14826,7 @@
 </p:sld>
 </file>
 
-<file path=ppt/slides/slide7.xml><?xml version="1.0" encoding="utf-8"?>
+<file path=ppt/slides/slide8.xml><?xml version="1.0" encoding="utf-8"?>
 <p:sld xmlns:a="http://schemas.openxmlformats.org/drawingml/2006/main" xmlns:r="http://schemas.openxmlformats.org/officeDocument/2006/relationships" xmlns:p="http://schemas.openxmlformats.org/presentationml/2006/main">
   <p:cSld>
     <p:bg>
@@ -14309,7 +15053,7 @@
 </p:sld>
 </file>
 
-<file path=ppt/slides/slide8.xml><?xml version="1.0" encoding="utf-8"?>
+<file path=ppt/slides/slide9.xml><?xml version="1.0" encoding="utf-8"?>
 <p:sld xmlns:a="http://schemas.openxmlformats.org/drawingml/2006/main" xmlns:r="http://schemas.openxmlformats.org/officeDocument/2006/relationships" xmlns:p="http://schemas.openxmlformats.org/presentationml/2006/main">
   <p:cSld>
     <p:spTree>
@@ -14349,7 +15093,7 @@
           <a:p>
             <a:r>
               <a:rPr lang="it-IT" dirty="0"/>
-              <a:t>The cia hive component – technical aspects</a:t>
+              <a:t>BEACONS INFRASTRUCTURE</a:t>
             </a:r>
           </a:p>
         </p:txBody>
@@ -14370,7 +15114,12 @@
             <p:ph idx="1"/>
           </p:nvPr>
         </p:nvSpPr>
-        <p:spPr/>
+        <p:spPr>
+          <a:xfrm>
+            <a:off x="1575248" y="1954923"/>
+            <a:ext cx="9038327" cy="2948154"/>
+          </a:xfrm>
+        </p:spPr>
         <p:txBody>
           <a:bodyPr>
             <a:normAutofit/>
@@ -14381,8 +15130,10 @@
               <a:buNone/>
             </a:pPr>
             <a:r>
-              <a:rPr lang="en-US" dirty="0"/>
-              <a:t>Hive has two main functions: beacons and interactive shells; by design both are limited in functionality because they are basically just a base for other tools. In version 2.9 an internal DNS server is added to enable name resolution in MikroTik 6.x, the possibility for the user to define the directory path for .config .log files and adds AVTech Network Video Recorders to the list of supported platforms.</a:t>
+              <a:rPr lang="en-US" dirty="0">
+                <a:effectLst/>
+              </a:rPr>
+              <a:t>Patched or unpatched implants are provided by the generator application. Implants will detach from the user’s terminal and fork into the background. The goal is for the operator to have a consistent user experience, regardless of the implant’s operating system. On the wire, the implant mimics a SSLv3 handshake with Swindle and then sends a small amount of encrypted data to the tool handler. </a:t>
             </a:r>
             <a:endParaRPr lang="it-IT" dirty="0"/>
           </a:p>
@@ -14427,143 +15178,45 @@
           </a:effectLst>
         </p:spPr>
       </p:pic>
+      <p:sp>
+        <p:nvSpPr>
+          <p:cNvPr id="6" name="CasellaDiTesto 5">
+            <a:extLst>
+              <a:ext uri="{FF2B5EF4-FFF2-40B4-BE49-F238E27FC236}">
+                <a16:creationId xmlns:a16="http://schemas.microsoft.com/office/drawing/2014/main" id="{A5CDEBA1-DCFA-D141-9A94-74FAA3C5CC28}"/>
+              </a:ext>
+            </a:extLst>
+          </p:cNvPr>
+          <p:cNvSpPr txBox="1"/>
+          <p:nvPr/>
+        </p:nvSpPr>
+        <p:spPr>
+          <a:xfrm>
+            <a:off x="1231233" y="5870150"/>
+            <a:ext cx="6104020" cy="369332"/>
+          </a:xfrm>
+          <a:prstGeom prst="rect">
+            <a:avLst/>
+          </a:prstGeom>
+          <a:noFill/>
+        </p:spPr>
+        <p:txBody>
+          <a:bodyPr wrap="square">
+            <a:spAutoFit/>
+          </a:bodyPr>
+          <a:lstStyle/>
+          <a:p>
+            <a:r>
+              <a:rPr lang="it-IT" dirty="0"/>
+              <a:t>THE CIA HIVE COMPONENT – TECHNICAL ASPECTS</a:t>
+            </a:r>
+          </a:p>
+        </p:txBody>
+      </p:sp>
     </p:spTree>
     <p:extLst>
       <p:ext uri="{BB962C8B-B14F-4D97-AF65-F5344CB8AC3E}">
         <p14:creationId xmlns:p14="http://schemas.microsoft.com/office/powerpoint/2010/main" val="2950703028"/>
-      </p:ext>
-    </p:extLst>
-  </p:cSld>
-  <p:clrMapOvr>
-    <a:masterClrMapping/>
-  </p:clrMapOvr>
-</p:sld>
-</file>
-
-<file path=ppt/slides/slide9.xml><?xml version="1.0" encoding="utf-8"?>
-<p:sld xmlns:a="http://schemas.openxmlformats.org/drawingml/2006/main" xmlns:r="http://schemas.openxmlformats.org/officeDocument/2006/relationships" xmlns:p="http://schemas.openxmlformats.org/presentationml/2006/main">
-  <p:cSld>
-    <p:spTree>
-      <p:nvGrpSpPr>
-        <p:cNvPr id="1" name=""/>
-        <p:cNvGrpSpPr/>
-        <p:nvPr/>
-      </p:nvGrpSpPr>
-      <p:grpSpPr>
-        <a:xfrm>
-          <a:off x="0" y="0"/>
-          <a:ext cx="0" cy="0"/>
-          <a:chOff x="0" y="0"/>
-          <a:chExt cx="0" cy="0"/>
-        </a:xfrm>
-      </p:grpSpPr>
-      <p:sp>
-        <p:nvSpPr>
-          <p:cNvPr id="2" name="Titolo 1">
-            <a:extLst>
-              <a:ext uri="{FF2B5EF4-FFF2-40B4-BE49-F238E27FC236}">
-                <a16:creationId xmlns:a16="http://schemas.microsoft.com/office/drawing/2014/main" id="{804D3B27-1186-4AD7-990D-F51581C06052}"/>
-              </a:ext>
-            </a:extLst>
-          </p:cNvPr>
-          <p:cNvSpPr>
-            <a:spLocks noGrp="1"/>
-          </p:cNvSpPr>
-          <p:nvPr>
-            <p:ph type="title"/>
-          </p:nvPr>
-        </p:nvSpPr>
-        <p:spPr/>
-        <p:txBody>
-          <a:bodyPr/>
-          <a:lstStyle/>
-          <a:p>
-            <a:r>
-              <a:rPr lang="it-IT" dirty="0"/>
-              <a:t>The cia hive component – technical aspects</a:t>
-            </a:r>
-          </a:p>
-        </p:txBody>
-      </p:sp>
-      <p:sp>
-        <p:nvSpPr>
-          <p:cNvPr id="3" name="Segnaposto contenuto 2">
-            <a:extLst>
-              <a:ext uri="{FF2B5EF4-FFF2-40B4-BE49-F238E27FC236}">
-                <a16:creationId xmlns:a16="http://schemas.microsoft.com/office/drawing/2014/main" id="{93CF695A-25F0-4FB9-B8D4-F0AFC5898511}"/>
-              </a:ext>
-            </a:extLst>
-          </p:cNvPr>
-          <p:cNvSpPr>
-            <a:spLocks noGrp="1"/>
-          </p:cNvSpPr>
-          <p:nvPr>
-            <p:ph idx="1"/>
-          </p:nvPr>
-        </p:nvSpPr>
-        <p:spPr/>
-        <p:txBody>
-          <a:bodyPr>
-            <a:normAutofit/>
-          </a:bodyPr>
-          <a:lstStyle/>
-          <a:p>
-            <a:pPr marL="0" indent="0">
-              <a:buNone/>
-            </a:pPr>
-            <a:r>
-              <a:rPr lang="en-US" dirty="0">
-                <a:effectLst/>
-              </a:rPr>
-              <a:t>The implant communicates with the Hive client using SSL connections. Three files, server.crt, server.key and ca.crt, must be installed in the same directory as the client and must have read permissions set so they can be accessed by the client. Communications with the implant will fail if any one of these files are missing or invalid.</a:t>
-            </a:r>
-            <a:endParaRPr lang="it-IT" dirty="0"/>
-          </a:p>
-        </p:txBody>
-      </p:sp>
-      <p:pic>
-        <p:nvPicPr>
-          <p:cNvPr id="4" name="Immagine 3">
-            <a:extLst>
-              <a:ext uri="{FF2B5EF4-FFF2-40B4-BE49-F238E27FC236}">
-                <a16:creationId xmlns:a16="http://schemas.microsoft.com/office/drawing/2014/main" id="{123205E6-BAF4-4EB2-959F-CD0EC2F93646}"/>
-              </a:ext>
-            </a:extLst>
-          </p:cNvPr>
-          <p:cNvPicPr>
-            <a:picLocks noChangeAspect="1"/>
-          </p:cNvPicPr>
-          <p:nvPr/>
-        </p:nvPicPr>
-        <p:blipFill rotWithShape="1">
-          <a:blip r:embed="rId2"/>
-          <a:srcRect l="677" r="-1" b="-1"/>
-          <a:stretch/>
-        </p:blipFill>
-        <p:spPr>
-          <a:xfrm>
-            <a:off x="11047411" y="5791201"/>
-            <a:ext cx="851078" cy="856877"/>
-          </a:xfrm>
-          <a:prstGeom prst="rect">
-            <a:avLst/>
-          </a:prstGeom>
-          <a:ln>
-            <a:noFill/>
-          </a:ln>
-          <a:effectLst>
-            <a:outerShdw blurRad="190500" algn="tl" rotWithShape="0">
-              <a:srgbClr val="000000">
-                <a:alpha val="70000"/>
-              </a:srgbClr>
-            </a:outerShdw>
-          </a:effectLst>
-        </p:spPr>
-      </p:pic>
-    </p:spTree>
-    <p:extLst>
-      <p:ext uri="{BB962C8B-B14F-4D97-AF65-F5344CB8AC3E}">
-        <p14:creationId xmlns:p14="http://schemas.microsoft.com/office/powerpoint/2010/main" val="3656987068"/>
       </p:ext>
     </p:extLst>
   </p:cSld>
